--- a/lectures/slides/Diversification&SSE.pptx
+++ b/lectures/slides/Diversification&SSE.pptx
@@ -6,26 +6,35 @@
   </p:sldMasterIdLst>
   <p:sldIdLst>
     <p:sldId id="256" r:id="rId3"/>
-    <p:sldId id="257" r:id="rId4"/>
-    <p:sldId id="258" r:id="rId5"/>
-    <p:sldId id="259" r:id="rId6"/>
-    <p:sldId id="261" r:id="rId7"/>
-    <p:sldId id="262" r:id="rId8"/>
-    <p:sldId id="274" r:id="rId9"/>
-    <p:sldId id="260" r:id="rId10"/>
-    <p:sldId id="263" r:id="rId11"/>
-    <p:sldId id="264" r:id="rId12"/>
-    <p:sldId id="265" r:id="rId13"/>
-    <p:sldId id="267" r:id="rId14"/>
-    <p:sldId id="268" r:id="rId15"/>
-    <p:sldId id="266" r:id="rId16"/>
-    <p:sldId id="269" r:id="rId17"/>
-    <p:sldId id="270" r:id="rId18"/>
-    <p:sldId id="271" r:id="rId19"/>
-    <p:sldId id="275" r:id="rId20"/>
-    <p:sldId id="276" r:id="rId21"/>
-    <p:sldId id="272" r:id="rId22"/>
-    <p:sldId id="273" r:id="rId23"/>
+    <p:sldId id="289" r:id="rId4"/>
+    <p:sldId id="257" r:id="rId5"/>
+    <p:sldId id="258" r:id="rId6"/>
+    <p:sldId id="259" r:id="rId7"/>
+    <p:sldId id="261" r:id="rId8"/>
+    <p:sldId id="262" r:id="rId9"/>
+    <p:sldId id="274" r:id="rId10"/>
+    <p:sldId id="293" r:id="rId11"/>
+    <p:sldId id="260" r:id="rId12"/>
+    <p:sldId id="263" r:id="rId13"/>
+    <p:sldId id="264" r:id="rId14"/>
+    <p:sldId id="265" r:id="rId15"/>
+    <p:sldId id="291" r:id="rId16"/>
+    <p:sldId id="292" r:id="rId17"/>
+    <p:sldId id="267" r:id="rId18"/>
+    <p:sldId id="294" r:id="rId19"/>
+    <p:sldId id="295" r:id="rId20"/>
+    <p:sldId id="296" r:id="rId21"/>
+    <p:sldId id="297" r:id="rId22"/>
+    <p:sldId id="268" r:id="rId23"/>
+    <p:sldId id="298" r:id="rId24"/>
+    <p:sldId id="266" r:id="rId25"/>
+    <p:sldId id="269" r:id="rId26"/>
+    <p:sldId id="270" r:id="rId27"/>
+    <p:sldId id="271" r:id="rId28"/>
+    <p:sldId id="275" r:id="rId29"/>
+    <p:sldId id="276" r:id="rId30"/>
+    <p:sldId id="272" r:id="rId31"/>
+    <p:sldId id="273" r:id="rId32"/>
   </p:sldIdLst>
   <p:sldSz cx="9144000" cy="6858000" type="screen4x3"/>
   <p:notesSz cx="7103745" cy="10234295"/>
@@ -2662,10 +2671,10 @@
           <a:bodyPr/>
           <a:p>
             <a:r>
-              <a:rPr lang="" altLang="en-US"/>
+              <a:rPr lang="en-US" altLang="en-US"/>
               <a:t>Diversification &amp; SSE models</a:t>
             </a:r>
-            <a:endParaRPr lang="" altLang="en-US"/>
+            <a:endParaRPr lang="en-US" altLang="en-US"/>
           </a:p>
         </p:txBody>
       </p:sp>
@@ -2720,45 +2729,22 @@
           <a:bodyPr/>
           <a:p>
             <a:r>
-              <a:rPr lang="" altLang="en-US"/>
-              <a:t>Estimating diversification</a:t>
-            </a:r>
-            <a:endParaRPr lang="" altLang="en-US"/>
-          </a:p>
-        </p:txBody>
-      </p:sp>
-      <p:sp>
-        <p:nvSpPr>
-          <p:cNvPr id="3" name="Content Placeholder 2"/>
-          <p:cNvSpPr>
-            <a:spLocks noGrp="1"/>
-          </p:cNvSpPr>
-          <p:nvPr>
-            <p:ph idx="1"/>
-          </p:nvPr>
-        </p:nvSpPr>
-        <p:spPr/>
-        <p:txBody>
-          <a:bodyPr/>
-          <a:p>
-            <a:pPr marL="0" indent="0">
-              <a:buNone/>
-            </a:pPr>
-            <a:r>
-              <a:rPr lang="" altLang="en-US"/>
-              <a:t>Using the distribution of branch lengths/waiting times (requires whole tree or partial tree and assumptions about sampling)</a:t>
-            </a:r>
-            <a:endParaRPr lang="" altLang="en-US"/>
+              <a:rPr lang="en-US" altLang="en-US"/>
+              <a:t>Lineage through time plots</a:t>
+            </a:r>
+            <a:endParaRPr lang="en-US" altLang="en-US"/>
           </a:p>
         </p:txBody>
       </p:sp>
       <p:pic>
         <p:nvPicPr>
-          <p:cNvPr id="4" name="Picture 3"/>
+          <p:cNvPr id="6" name="Content Placeholder 5"/>
           <p:cNvPicPr>
             <a:picLocks noChangeAspect="1"/>
           </p:cNvPicPr>
-          <p:nvPr/>
+          <p:nvPr>
+            <p:ph idx="1"/>
+          </p:nvPr>
         </p:nvPicPr>
         <p:blipFill>
           <a:blip r:embed="rId1"/>
@@ -2768,8 +2754,8 @@
         </p:blipFill>
         <p:spPr>
           <a:xfrm>
-            <a:off x="2799080" y="3293110"/>
-            <a:ext cx="3962400" cy="3194050"/>
+            <a:off x="121920" y="1991995"/>
+            <a:ext cx="8771890" cy="4297680"/>
           </a:xfrm>
           <a:prstGeom prst="rect">
             <a:avLst/>
@@ -2806,27 +2792,48 @@
         </p:nvSpPr>
         <p:spPr/>
         <p:txBody>
-          <a:bodyPr>
-            <a:normAutofit fontScale="90000"/>
-          </a:bodyPr>
-          <a:p>
-            <a:r>
-              <a:rPr lang="" altLang="en-US"/>
-              <a:t>Modeling heterogeneity in diversification</a:t>
-            </a:r>
-            <a:endParaRPr lang="" altLang="en-US"/>
+          <a:bodyPr/>
+          <a:p>
+            <a:r>
+              <a:rPr lang="en-US" altLang="en-US"/>
+              <a:t>Estimating diversification</a:t>
+            </a:r>
+            <a:endParaRPr lang="en-US" altLang="en-US"/>
+          </a:p>
+        </p:txBody>
+      </p:sp>
+      <p:sp>
+        <p:nvSpPr>
+          <p:cNvPr id="3" name="Content Placeholder 2"/>
+          <p:cNvSpPr>
+            <a:spLocks noGrp="1"/>
+          </p:cNvSpPr>
+          <p:nvPr>
+            <p:ph idx="1"/>
+          </p:nvPr>
+        </p:nvSpPr>
+        <p:spPr/>
+        <p:txBody>
+          <a:bodyPr/>
+          <a:p>
+            <a:pPr marL="0" indent="0">
+              <a:buNone/>
+            </a:pPr>
+            <a:r>
+              <a:rPr lang="en-US" altLang="en-US"/>
+              <a:t>Net diversification methods using clade age &amp; diversity (can be used on unresolved trees)</a:t>
+            </a:r>
+            <a:endParaRPr lang="en-US" altLang="en-US"/>
           </a:p>
         </p:txBody>
       </p:sp>
       <p:pic>
         <p:nvPicPr>
-          <p:cNvPr id="4" name="Content Placeholder 3"/>
+          <p:cNvPr id="4" name="Picture 3"/>
           <p:cNvPicPr>
             <a:picLocks noChangeAspect="1"/>
           </p:cNvPicPr>
-          <p:nvPr>
-            <p:ph idx="1"/>
-          </p:nvPr>
+          <p:nvPr/>
         </p:nvPicPr>
         <p:blipFill>
           <a:blip r:embed="rId1"/>
@@ -2836,24 +2843,96 @@
         </p:blipFill>
         <p:spPr>
           <a:xfrm>
-            <a:off x="1702435" y="2196465"/>
-            <a:ext cx="7391400" cy="3937635"/>
+            <a:off x="1470660" y="3367405"/>
+            <a:ext cx="2730500" cy="3130550"/>
           </a:xfrm>
           <a:prstGeom prst="rect">
             <a:avLst/>
           </a:prstGeom>
         </p:spPr>
       </p:pic>
-      <p:sp>
-        <p:nvSpPr>
-          <p:cNvPr id="5" name="Text Box 4"/>
+      <p:pic>
+        <p:nvPicPr>
+          <p:cNvPr id="5" name="Picture 4"/>
+          <p:cNvPicPr>
+            <a:picLocks noChangeAspect="1"/>
+          </p:cNvPicPr>
+          <p:nvPr/>
+        </p:nvPicPr>
+        <p:blipFill>
+          <a:blip r:embed="rId2"/>
+          <a:stretch>
+            <a:fillRect/>
+          </a:stretch>
+        </p:blipFill>
+        <p:spPr>
+          <a:xfrm>
+            <a:off x="4568825" y="3425825"/>
+            <a:ext cx="6350" cy="6350"/>
+          </a:xfrm>
+          <a:prstGeom prst="rect">
+            <a:avLst/>
+          </a:prstGeom>
+        </p:spPr>
+      </p:pic>
+      <p:pic>
+        <p:nvPicPr>
+          <p:cNvPr id="6" name="Picture 5"/>
+          <p:cNvPicPr>
+            <a:picLocks noChangeAspect="1"/>
+          </p:cNvPicPr>
+          <p:nvPr/>
+        </p:nvPicPr>
+        <p:blipFill>
+          <a:blip r:embed="rId2"/>
+          <a:stretch>
+            <a:fillRect/>
+          </a:stretch>
+        </p:blipFill>
+        <p:spPr>
+          <a:xfrm>
+            <a:off x="4568825" y="3425825"/>
+            <a:ext cx="6350" cy="6350"/>
+          </a:xfrm>
+          <a:prstGeom prst="rect">
+            <a:avLst/>
+          </a:prstGeom>
+        </p:spPr>
+      </p:pic>
+      <p:pic>
+        <p:nvPicPr>
+          <p:cNvPr id="7" name="Picture 6"/>
+          <p:cNvPicPr>
+            <a:picLocks noChangeAspect="1"/>
+          </p:cNvPicPr>
+          <p:nvPr/>
+        </p:nvPicPr>
+        <p:blipFill>
+          <a:blip r:embed="rId3"/>
+          <a:stretch>
+            <a:fillRect/>
+          </a:stretch>
+        </p:blipFill>
+        <p:spPr>
+          <a:xfrm>
+            <a:off x="3971290" y="4073525"/>
+            <a:ext cx="2159000" cy="1117600"/>
+          </a:xfrm>
+          <a:prstGeom prst="rect">
+            <a:avLst/>
+          </a:prstGeom>
+        </p:spPr>
+      </p:pic>
+      <p:sp>
+        <p:nvSpPr>
+          <p:cNvPr id="8" name="Text Box 7"/>
           <p:cNvSpPr txBox="1"/>
           <p:nvPr/>
         </p:nvSpPr>
         <p:spPr>
           <a:xfrm>
-            <a:off x="3046730" y="5701665"/>
-            <a:ext cx="1936750" cy="645160"/>
+            <a:off x="5020945" y="5469255"/>
+            <a:ext cx="3153410" cy="368300"/>
           </a:xfrm>
           <a:prstGeom prst="rect">
             <a:avLst/>
@@ -2866,13 +2945,37 @@
           </a:bodyPr>
           <a:p>
             <a:r>
-              <a:rPr lang="" altLang="en-US"/>
-              <a:t>Hypothesis testing</a:t>
-            </a:r>
-            <a:endParaRPr lang="" altLang="en-US"/>
-          </a:p>
-        </p:txBody>
-      </p:sp>
+              <a:rPr lang="en-US" altLang="en-US"/>
+              <a:t>Magallon &amp; Sanderson, 2001</a:t>
+            </a:r>
+            <a:endParaRPr lang="en-US" altLang="en-US"/>
+          </a:p>
+        </p:txBody>
+      </p:sp>
+      <p:pic>
+        <p:nvPicPr>
+          <p:cNvPr id="9" name="Picture 8"/>
+          <p:cNvPicPr>
+            <a:picLocks noChangeAspect="1"/>
+          </p:cNvPicPr>
+          <p:nvPr/>
+        </p:nvPicPr>
+        <p:blipFill>
+          <a:blip r:embed="rId4"/>
+          <a:stretch>
+            <a:fillRect/>
+          </a:stretch>
+        </p:blipFill>
+        <p:spPr>
+          <a:xfrm>
+            <a:off x="6221730" y="4072890"/>
+            <a:ext cx="2834005" cy="1021080"/>
+          </a:xfrm>
+          <a:prstGeom prst="rect">
+            <a:avLst/>
+          </a:prstGeom>
+        </p:spPr>
+      </p:pic>
     </p:spTree>
   </p:cSld>
   <p:clrMapOvr>
@@ -2905,19 +3008,51 @@
         <p:txBody>
           <a:bodyPr/>
           <a:p>
-            <a:endParaRPr lang="en-US"/>
+            <a:r>
+              <a:rPr lang="en-US" altLang="en-US"/>
+              <a:t>Estimating diversification</a:t>
+            </a:r>
+            <a:endParaRPr lang="en-US" altLang="en-US"/>
+          </a:p>
+        </p:txBody>
+      </p:sp>
+      <p:sp>
+        <p:nvSpPr>
+          <p:cNvPr id="3" name="Content Placeholder 2"/>
+          <p:cNvSpPr>
+            <a:spLocks noGrp="1"/>
+          </p:cNvSpPr>
+          <p:nvPr>
+            <p:ph idx="1"/>
+          </p:nvPr>
+        </p:nvSpPr>
+        <p:spPr>
+          <a:xfrm>
+            <a:off x="684530" y="1386205"/>
+            <a:ext cx="7886700" cy="4351338"/>
+          </a:xfrm>
+        </p:spPr>
+        <p:txBody>
+          <a:bodyPr/>
+          <a:p>
+            <a:pPr marL="0" indent="0">
+              <a:buNone/>
+            </a:pPr>
+            <a:r>
+              <a:rPr lang="en-US" altLang="en-US"/>
+              <a:t>Using the distribution of branch lengths/waiting times (requires whole tree or partial tree and assumptions about sampling)</a:t>
+            </a:r>
+            <a:endParaRPr lang="en-US" altLang="en-US"/>
           </a:p>
         </p:txBody>
       </p:sp>
       <p:pic>
         <p:nvPicPr>
-          <p:cNvPr id="4" name="Content Placeholder 3"/>
+          <p:cNvPr id="4" name="Picture 3"/>
           <p:cNvPicPr>
             <a:picLocks noChangeAspect="1"/>
           </p:cNvPicPr>
-          <p:nvPr>
-            <p:ph idx="1"/>
-          </p:nvPr>
+          <p:nvPr/>
         </p:nvPicPr>
         <p:blipFill>
           <a:blip r:embed="rId1"/>
@@ -2927,14 +3062,471 @@
         </p:blipFill>
         <p:spPr>
           <a:xfrm>
-            <a:off x="20955" y="-250190"/>
-            <a:ext cx="3143885" cy="6981190"/>
+            <a:off x="2799080" y="3293110"/>
+            <a:ext cx="3962400" cy="3194050"/>
           </a:xfrm>
           <a:prstGeom prst="rect">
             <a:avLst/>
           </a:prstGeom>
         </p:spPr>
       </p:pic>
+    </p:spTree>
+  </p:cSld>
+  <p:clrMapOvr>
+    <a:masterClrMapping/>
+  </p:clrMapOvr>
+</p:sld>
+</file>
+
+<file path=ppt/slides/slide13.xml><?xml version="1.0" encoding="utf-8"?>
+<p:sld xmlns:a="http://schemas.openxmlformats.org/drawingml/2006/main" xmlns:r="http://schemas.openxmlformats.org/officeDocument/2006/relationships" xmlns:p="http://schemas.openxmlformats.org/presentationml/2006/main">
+  <p:cSld>
+    <p:spTree>
+      <p:nvGrpSpPr>
+        <p:cNvPr id="1" name=""/>
+        <p:cNvGrpSpPr/>
+        <p:nvPr/>
+      </p:nvGrpSpPr>
+      <p:grpSpPr/>
+      <p:sp>
+        <p:nvSpPr>
+          <p:cNvPr id="2" name="Title 1"/>
+          <p:cNvSpPr>
+            <a:spLocks noGrp="1"/>
+          </p:cNvSpPr>
+          <p:nvPr>
+            <p:ph type="title"/>
+          </p:nvPr>
+        </p:nvSpPr>
+        <p:spPr/>
+        <p:txBody>
+          <a:bodyPr>
+            <a:normAutofit fontScale="90000"/>
+          </a:bodyPr>
+          <a:p>
+            <a:r>
+              <a:rPr lang="en-US" altLang="en-US"/>
+              <a:t>Modeling heterogeneity in diversification</a:t>
+            </a:r>
+            <a:endParaRPr lang="en-US" altLang="en-US"/>
+          </a:p>
+        </p:txBody>
+      </p:sp>
+      <p:pic>
+        <p:nvPicPr>
+          <p:cNvPr id="4" name="Content Placeholder 3"/>
+          <p:cNvPicPr>
+            <a:picLocks noChangeAspect="1"/>
+          </p:cNvPicPr>
+          <p:nvPr>
+            <p:ph idx="1"/>
+          </p:nvPr>
+        </p:nvPicPr>
+        <p:blipFill>
+          <a:blip r:embed="rId1"/>
+          <a:stretch>
+            <a:fillRect/>
+          </a:stretch>
+        </p:blipFill>
+        <p:spPr>
+          <a:xfrm>
+            <a:off x="1702435" y="2196465"/>
+            <a:ext cx="7391400" cy="3937635"/>
+          </a:xfrm>
+          <a:prstGeom prst="rect">
+            <a:avLst/>
+          </a:prstGeom>
+        </p:spPr>
+      </p:pic>
+      <p:sp>
+        <p:nvSpPr>
+          <p:cNvPr id="5" name="Text Box 4"/>
+          <p:cNvSpPr txBox="1"/>
+          <p:nvPr/>
+        </p:nvSpPr>
+        <p:spPr>
+          <a:xfrm>
+            <a:off x="3046730" y="5701665"/>
+            <a:ext cx="1936750" cy="645160"/>
+          </a:xfrm>
+          <a:prstGeom prst="rect">
+            <a:avLst/>
+          </a:prstGeom>
+          <a:noFill/>
+        </p:spPr>
+        <p:txBody>
+          <a:bodyPr wrap="square" rtlCol="0">
+            <a:spAutoFit/>
+          </a:bodyPr>
+          <a:p>
+            <a:r>
+              <a:rPr lang="en-US" altLang="en-US"/>
+              <a:t>Hypothesis testing</a:t>
+            </a:r>
+            <a:endParaRPr lang="en-US" altLang="en-US"/>
+          </a:p>
+        </p:txBody>
+      </p:sp>
+    </p:spTree>
+  </p:cSld>
+  <p:clrMapOvr>
+    <a:masterClrMapping/>
+  </p:clrMapOvr>
+</p:sld>
+</file>
+
+<file path=ppt/slides/slide14.xml><?xml version="1.0" encoding="utf-8"?>
+<p:sld xmlns:a="http://schemas.openxmlformats.org/drawingml/2006/main" xmlns:r="http://schemas.openxmlformats.org/officeDocument/2006/relationships" xmlns:p="http://schemas.openxmlformats.org/presentationml/2006/main">
+  <p:cSld>
+    <p:spTree>
+      <p:nvGrpSpPr>
+        <p:cNvPr id="1" name=""/>
+        <p:cNvGrpSpPr/>
+        <p:nvPr/>
+      </p:nvGrpSpPr>
+      <p:grpSpPr/>
+      <p:sp>
+        <p:nvSpPr>
+          <p:cNvPr id="2" name="Title 1"/>
+          <p:cNvSpPr>
+            <a:spLocks noGrp="1"/>
+          </p:cNvSpPr>
+          <p:nvPr>
+            <p:ph type="title"/>
+          </p:nvPr>
+        </p:nvSpPr>
+        <p:spPr>
+          <a:xfrm>
+            <a:off x="238760" y="-122555"/>
+            <a:ext cx="7886700" cy="1325563"/>
+          </a:xfrm>
+        </p:spPr>
+        <p:txBody>
+          <a:bodyPr/>
+          <a:p>
+            <a:r>
+              <a:rPr lang="en-US" altLang="en-US"/>
+              <a:t>Sampling</a:t>
+            </a:r>
+            <a:endParaRPr lang="en-US" altLang="en-US"/>
+          </a:p>
+        </p:txBody>
+      </p:sp>
+      <p:sp>
+        <p:nvSpPr>
+          <p:cNvPr id="3" name="Content Placeholder 2"/>
+          <p:cNvSpPr>
+            <a:spLocks noGrp="1"/>
+          </p:cNvSpPr>
+          <p:nvPr>
+            <p:ph idx="1"/>
+          </p:nvPr>
+        </p:nvSpPr>
+        <p:spPr>
+          <a:xfrm>
+            <a:off x="238760" y="933450"/>
+            <a:ext cx="8750935" cy="4351655"/>
+          </a:xfrm>
+        </p:spPr>
+        <p:txBody>
+          <a:bodyPr/>
+          <a:p>
+            <a:pPr marL="0" indent="0">
+              <a:buNone/>
+            </a:pPr>
+            <a:r>
+              <a:rPr lang="" altLang="en-US"/>
+              <a:t>Usually we don't have random sampling of taxa from a phylogeny</a:t>
+            </a:r>
+            <a:endParaRPr lang="" altLang="en-US"/>
+          </a:p>
+          <a:p>
+            <a:pPr marL="0" indent="0">
+              <a:buNone/>
+            </a:pPr>
+            <a:endParaRPr lang="" altLang="en-US" sz="900"/>
+          </a:p>
+          <a:p>
+            <a:pPr marL="0" indent="0">
+              <a:buNone/>
+            </a:pPr>
+            <a:r>
+              <a:rPr lang="" altLang="en-US"/>
+              <a:t>Supply each tip with # of taxa it represents</a:t>
+            </a:r>
+            <a:endParaRPr lang="" altLang="en-US"/>
+          </a:p>
+          <a:p>
+            <a:pPr marL="0" indent="0">
+              <a:buNone/>
+            </a:pPr>
+            <a:r>
+              <a:rPr lang="" altLang="en-US"/>
+              <a:t>Or</a:t>
+            </a:r>
+            <a:endParaRPr lang="" altLang="en-US"/>
+          </a:p>
+          <a:p>
+            <a:pPr marL="0" indent="0">
+              <a:buNone/>
+            </a:pPr>
+            <a:r>
+              <a:rPr lang="" altLang="en-US"/>
+              <a:t>Assume all sampling is random, &amp; provide sampling fraction</a:t>
+            </a:r>
+            <a:endParaRPr lang="" altLang="en-US"/>
+          </a:p>
+          <a:p>
+            <a:pPr marL="0" indent="0">
+              <a:buNone/>
+            </a:pPr>
+            <a:endParaRPr lang="" altLang="en-US"/>
+          </a:p>
+        </p:txBody>
+      </p:sp>
+      <p:pic>
+        <p:nvPicPr>
+          <p:cNvPr id="5" name="Picture 4"/>
+          <p:cNvPicPr>
+            <a:picLocks noChangeAspect="1"/>
+          </p:cNvPicPr>
+          <p:nvPr/>
+        </p:nvPicPr>
+        <p:blipFill>
+          <a:blip r:embed="rId1"/>
+          <a:stretch>
+            <a:fillRect/>
+          </a:stretch>
+        </p:blipFill>
+        <p:spPr>
+          <a:xfrm>
+            <a:off x="4379595" y="3580765"/>
+            <a:ext cx="4610100" cy="3155950"/>
+          </a:xfrm>
+          <a:prstGeom prst="rect">
+            <a:avLst/>
+          </a:prstGeom>
+        </p:spPr>
+      </p:pic>
+    </p:spTree>
+  </p:cSld>
+  <p:clrMapOvr>
+    <a:masterClrMapping/>
+  </p:clrMapOvr>
+</p:sld>
+</file>
+
+<file path=ppt/slides/slide15.xml><?xml version="1.0" encoding="utf-8"?>
+<p:sld xmlns:a="http://schemas.openxmlformats.org/drawingml/2006/main" xmlns:r="http://schemas.openxmlformats.org/officeDocument/2006/relationships" xmlns:p="http://schemas.openxmlformats.org/presentationml/2006/main">
+  <p:cSld>
+    <p:spTree>
+      <p:nvGrpSpPr>
+        <p:cNvPr id="1" name=""/>
+        <p:cNvGrpSpPr/>
+        <p:nvPr/>
+      </p:nvGrpSpPr>
+      <p:grpSpPr/>
+      <p:sp>
+        <p:nvSpPr>
+          <p:cNvPr id="2" name="Title 1"/>
+          <p:cNvSpPr>
+            <a:spLocks noGrp="1"/>
+          </p:cNvSpPr>
+          <p:nvPr>
+            <p:ph type="title"/>
+          </p:nvPr>
+        </p:nvSpPr>
+        <p:spPr>
+          <a:xfrm>
+            <a:off x="217805" y="122555"/>
+            <a:ext cx="7886700" cy="1325563"/>
+          </a:xfrm>
+        </p:spPr>
+        <p:txBody>
+          <a:bodyPr>
+            <a:normAutofit fontScale="90000"/>
+          </a:bodyPr>
+          <a:p>
+            <a:r>
+              <a:rPr lang="" altLang="en-US"/>
+              <a:t>Changing diversification over time</a:t>
+            </a:r>
+            <a:endParaRPr lang="" altLang="en-US"/>
+          </a:p>
+        </p:txBody>
+      </p:sp>
+      <p:sp>
+        <p:nvSpPr>
+          <p:cNvPr id="4" name="Content Placeholder 3"/>
+          <p:cNvSpPr>
+            <a:spLocks noGrp="1"/>
+          </p:cNvSpPr>
+          <p:nvPr>
+            <p:ph idx="1"/>
+          </p:nvPr>
+        </p:nvSpPr>
+        <p:spPr>
+          <a:xfrm>
+            <a:off x="355600" y="1252855"/>
+            <a:ext cx="5456555" cy="4351655"/>
+          </a:xfrm>
+        </p:spPr>
+        <p:txBody>
+          <a:bodyPr/>
+          <a:p>
+            <a:pPr marL="0" indent="0">
+              <a:buNone/>
+            </a:pPr>
+            <a:r>
+              <a:rPr lang="" altLang="en-US" sz="2400"/>
+              <a:t>Does diversification increase or decrease toward the present? </a:t>
+            </a:r>
+            <a:endParaRPr lang="" altLang="en-US" sz="2400"/>
+          </a:p>
+          <a:p>
+            <a:pPr marL="0" indent="0">
+              <a:buNone/>
+            </a:pPr>
+            <a:endParaRPr lang="" altLang="en-US" sz="2400"/>
+          </a:p>
+          <a:p>
+            <a:pPr marL="0" indent="0">
+              <a:buNone/>
+            </a:pPr>
+            <a:r>
+              <a:rPr lang="" altLang="en-US" sz="2400"/>
+              <a:t>Biases...</a:t>
+            </a:r>
+            <a:endParaRPr lang="" altLang="en-US" sz="2400"/>
+          </a:p>
+          <a:p>
+            <a:pPr marL="0" indent="0">
+              <a:buNone/>
+            </a:pPr>
+            <a:endParaRPr lang="" altLang="en-US" sz="2400"/>
+          </a:p>
+          <a:p>
+            <a:pPr marL="0" indent="0">
+              <a:buNone/>
+            </a:pPr>
+            <a:r>
+              <a:rPr lang="" altLang="en-US" sz="2400"/>
+              <a:t>“Pull of the present”</a:t>
+            </a:r>
+            <a:br>
+              <a:rPr lang="" altLang="en-US" sz="2400"/>
+            </a:br>
+            <a:r>
+              <a:rPr lang="" altLang="en-US" sz="2400"/>
+              <a:t>“Push of the past”</a:t>
+            </a:r>
+            <a:endParaRPr lang="" altLang="en-US" sz="2400"/>
+          </a:p>
+          <a:p>
+            <a:pPr marL="0" indent="0">
+              <a:buNone/>
+            </a:pPr>
+            <a:r>
+              <a:rPr lang="" altLang="en-US" sz="2400"/>
+              <a:t>Protracted speciation</a:t>
+            </a:r>
+            <a:endParaRPr lang="" altLang="en-US" sz="2400"/>
+          </a:p>
+        </p:txBody>
+      </p:sp>
+      <p:pic>
+        <p:nvPicPr>
+          <p:cNvPr id="5" name="Picture 4"/>
+          <p:cNvPicPr>
+            <a:picLocks noChangeAspect="1"/>
+          </p:cNvPicPr>
+          <p:nvPr/>
+        </p:nvPicPr>
+        <p:blipFill>
+          <a:blip r:embed="rId1"/>
+          <a:srcRect r="33635" b="36895"/>
+          <a:stretch>
+            <a:fillRect/>
+          </a:stretch>
+        </p:blipFill>
+        <p:spPr>
+          <a:xfrm>
+            <a:off x="5812155" y="2599690"/>
+            <a:ext cx="2933065" cy="3678555"/>
+          </a:xfrm>
+          <a:prstGeom prst="rect">
+            <a:avLst/>
+          </a:prstGeom>
+        </p:spPr>
+      </p:pic>
+      <p:pic>
+        <p:nvPicPr>
+          <p:cNvPr id="6" name="Content Placeholder 5"/>
+          <p:cNvPicPr>
+            <a:picLocks noChangeAspect="1"/>
+          </p:cNvPicPr>
+          <p:nvPr/>
+        </p:nvPicPr>
+        <p:blipFill>
+          <a:blip r:embed="rId2"/>
+          <a:stretch>
+            <a:fillRect/>
+          </a:stretch>
+        </p:blipFill>
+        <p:spPr>
+          <a:xfrm>
+            <a:off x="701675" y="4906010"/>
+            <a:ext cx="3778885" cy="1851660"/>
+          </a:xfrm>
+          <a:prstGeom prst="rect">
+            <a:avLst/>
+          </a:prstGeom>
+        </p:spPr>
+      </p:pic>
+    </p:spTree>
+  </p:cSld>
+  <p:clrMapOvr>
+    <a:masterClrMapping/>
+  </p:clrMapOvr>
+</p:sld>
+</file>
+
+<file path=ppt/slides/slide16.xml><?xml version="1.0" encoding="utf-8"?>
+<p:sld xmlns:a="http://schemas.openxmlformats.org/drawingml/2006/main" xmlns:r="http://schemas.openxmlformats.org/officeDocument/2006/relationships" xmlns:p="http://schemas.openxmlformats.org/presentationml/2006/main">
+  <p:cSld>
+    <p:spTree>
+      <p:nvGrpSpPr>
+        <p:cNvPr id="1" name=""/>
+        <p:cNvGrpSpPr/>
+        <p:nvPr/>
+      </p:nvGrpSpPr>
+      <p:grpSpPr/>
+      <p:pic>
+        <p:nvPicPr>
+          <p:cNvPr id="4" name="Content Placeholder 3"/>
+          <p:cNvPicPr>
+            <a:picLocks noChangeAspect="1"/>
+          </p:cNvPicPr>
+          <p:nvPr>
+            <p:ph idx="1"/>
+          </p:nvPr>
+        </p:nvPicPr>
+        <p:blipFill>
+          <a:blip r:embed="rId1"/>
+          <a:stretch>
+            <a:fillRect/>
+          </a:stretch>
+        </p:blipFill>
+        <p:spPr>
+          <a:xfrm>
+            <a:off x="20955" y="-250190"/>
+            <a:ext cx="3143885" cy="6981190"/>
+          </a:xfrm>
+          <a:prstGeom prst="rect">
+            <a:avLst/>
+          </a:prstGeom>
+        </p:spPr>
+      </p:pic>
       <p:sp>
         <p:nvSpPr>
           <p:cNvPr id="5" name="Content Placeholder 2"/>
@@ -2945,7 +3537,7 @@
         </p:nvSpPr>
         <p:spPr>
           <a:xfrm>
-            <a:off x="3164840" y="1369060"/>
+            <a:off x="3164840" y="2129155"/>
             <a:ext cx="6028690" cy="4351655"/>
           </a:xfrm>
           <a:prstGeom prst="rect">
@@ -3125,39 +3717,14 @@
               <a:buNone/>
             </a:pPr>
             <a:r>
-              <a:rPr lang="" altLang="en-US">
-                <a:latin typeface="Arial" panose="020B0604020202020204" pitchFamily="34" charset="0"/>
-                <a:cs typeface="Arial" panose="020B0604020202020204" pitchFamily="34" charset="0"/>
-                <a:sym typeface="+mn-ea"/>
-              </a:rPr>
-              <a:t>“Phylogenetic Natural History” methods</a:t>
-            </a:r>
-            <a:endParaRPr lang="" altLang="en-US">
-              <a:latin typeface="Arial" panose="020B0604020202020204" pitchFamily="34" charset="0"/>
-              <a:cs typeface="Arial" panose="020B0604020202020204" pitchFamily="34" charset="0"/>
-              <a:sym typeface="+mn-ea"/>
-            </a:endParaRPr>
-          </a:p>
-          <a:p>
-            <a:pPr marL="0" indent="0">
-              <a:buNone/>
-            </a:pPr>
-            <a:br>
-              <a:rPr lang="" altLang="en-US">
-                <a:latin typeface="Arial" panose="020B0604020202020204" pitchFamily="34" charset="0"/>
-                <a:cs typeface="Arial" panose="020B0604020202020204" pitchFamily="34" charset="0"/>
-                <a:sym typeface="+mn-ea"/>
-              </a:rPr>
-            </a:br>
-            <a:r>
-              <a:rPr lang="" altLang="en-US">
+              <a:rPr lang="en-US" altLang="en-US">
                 <a:latin typeface="Arial" panose="020B0604020202020204" pitchFamily="34" charset="0"/>
                 <a:cs typeface="Arial" panose="020B0604020202020204" pitchFamily="34" charset="0"/>
                 <a:sym typeface="+mn-ea"/>
               </a:rPr>
               <a:t>Bayesian - BAMM (But see controversies)</a:t>
             </a:r>
-            <a:endParaRPr lang="" altLang="en-US">
+            <a:endParaRPr lang="en-US" altLang="en-US">
               <a:latin typeface="Arial" panose="020B0604020202020204" pitchFamily="34" charset="0"/>
               <a:cs typeface="Arial" panose="020B0604020202020204" pitchFamily="34" charset="0"/>
               <a:sym typeface="+mn-ea"/>
@@ -3167,7 +3734,7 @@
             <a:pPr marL="0" indent="0">
               <a:buNone/>
             </a:pPr>
-            <a:endParaRPr lang="" altLang="en-US">
+            <a:endParaRPr lang="en-US" altLang="en-US">
               <a:latin typeface="Arial" panose="020B0604020202020204" pitchFamily="34" charset="0"/>
               <a:cs typeface="Arial" panose="020B0604020202020204" pitchFamily="34" charset="0"/>
               <a:sym typeface="+mn-ea"/>
@@ -3178,7 +3745,7 @@
               <a:buNone/>
             </a:pPr>
             <a:r>
-              <a:rPr lang="" altLang="en-US">
+              <a:rPr lang="en-US" altLang="en-US">
                 <a:latin typeface="Arial" panose="020B0604020202020204" pitchFamily="34" charset="0"/>
                 <a:cs typeface="Arial" panose="020B0604020202020204" pitchFamily="34" charset="0"/>
                 <a:sym typeface="+mn-ea"/>
@@ -3200,6 +3767,42 @@
               <a:cs typeface="Arial" panose="020B0604020202020204" pitchFamily="34" charset="0"/>
               <a:sym typeface="+mn-ea"/>
             </a:endParaRPr>
+          </a:p>
+        </p:txBody>
+      </p:sp>
+      <p:sp>
+        <p:nvSpPr>
+          <p:cNvPr id="3" name="Text Box 2"/>
+          <p:cNvSpPr txBox="1"/>
+          <p:nvPr/>
+        </p:nvSpPr>
+        <p:spPr>
+          <a:xfrm>
+            <a:off x="3258820" y="154305"/>
+            <a:ext cx="5120640" cy="1076325"/>
+          </a:xfrm>
+          <a:prstGeom prst="rect">
+            <a:avLst/>
+          </a:prstGeom>
+          <a:noFill/>
+        </p:spPr>
+        <p:txBody>
+          <a:bodyPr wrap="none" rtlCol="0">
+            <a:spAutoFit/>
+          </a:bodyPr>
+          <a:p>
+            <a:r>
+              <a:rPr lang="" altLang="en-US" sz="3200"/>
+              <a:t>Finding evolutionary shifts </a:t>
+            </a:r>
+            <a:endParaRPr lang="" altLang="en-US" sz="3200"/>
+          </a:p>
+          <a:p>
+            <a:r>
+              <a:rPr lang="" altLang="en-US" sz="3200"/>
+              <a:t>in diversification</a:t>
+            </a:r>
+            <a:endParaRPr lang="" altLang="en-US" sz="3200"/>
           </a:p>
         </p:txBody>
       </p:sp>
@@ -3211,7 +3814,7 @@
 </p:sld>
 </file>
 
-<file path=ppt/slides/slide13.xml><?xml version="1.0" encoding="utf-8"?>
+<file path=ppt/slides/slide17.xml><?xml version="1.0" encoding="utf-8"?>
 <p:sld xmlns:a="http://schemas.openxmlformats.org/drawingml/2006/main" xmlns:r="http://schemas.openxmlformats.org/officeDocument/2006/relationships" xmlns:p="http://schemas.openxmlformats.org/presentationml/2006/main">
   <p:cSld>
     <p:spTree>
@@ -3233,11 +3836,13 @@
         </p:nvSpPr>
         <p:spPr/>
         <p:txBody>
-          <a:bodyPr/>
+          <a:bodyPr>
+            <a:normAutofit fontScale="90000"/>
+          </a:bodyPr>
           <a:p>
             <a:r>
               <a:rPr lang="" altLang="en-US"/>
-              <a:t>Other active areas of research:</a:t>
+              <a:t>Easy to do with a phylogeny, but controversies abound</a:t>
             </a:r>
             <a:endParaRPr lang="" altLang="en-US"/>
           </a:p>
@@ -3257,45 +3862,9 @@
         <p:txBody>
           <a:bodyPr/>
           <a:p>
-            <a:r>
-              <a:rPr lang="" altLang="en-US"/>
-              <a:t>Incorporating fossils &amp; sampling</a:t>
-            </a:r>
-            <a:endParaRPr lang="" altLang="en-US"/>
-          </a:p>
-          <a:p>
-            <a:r>
-              <a:rPr lang="" altLang="en-US"/>
-              <a:t>Diversity-dependent diversification</a:t>
-            </a:r>
-            <a:endParaRPr lang="" altLang="en-US"/>
-          </a:p>
-          <a:p>
-            <a:r>
-              <a:rPr lang="" altLang="en-US"/>
-              <a:t>Time-varying diversification</a:t>
-            </a:r>
-            <a:endParaRPr lang="" altLang="en-US"/>
-          </a:p>
-          <a:p>
-            <a:r>
-              <a:rPr lang="" altLang="en-US"/>
-              <a:t>Protracted Speciation</a:t>
-            </a:r>
-            <a:endParaRPr lang="" altLang="en-US"/>
-          </a:p>
-          <a:p>
-            <a:r>
-              <a:rPr lang="" altLang="en-US"/>
-              <a:t>Neutral theory (Hubbell) from ecology</a:t>
-            </a:r>
-            <a:endParaRPr lang="" altLang="en-US"/>
-          </a:p>
-          <a:p>
-            <a:r>
-              <a:rPr lang="" altLang="en-US"/>
-              <a:t>Trait-dependent diversification</a:t>
-            </a:r>
+            <a:pPr marL="0" indent="0">
+              <a:buNone/>
+            </a:pPr>
             <a:endParaRPr lang="" altLang="en-US"/>
           </a:p>
         </p:txBody>
@@ -3308,7 +3877,7 @@
 </p:sld>
 </file>
 
-<file path=ppt/slides/slide14.xml><?xml version="1.0" encoding="utf-8"?>
+<file path=ppt/slides/slide18.xml><?xml version="1.0" encoding="utf-8"?>
 <p:sld xmlns:a="http://schemas.openxmlformats.org/drawingml/2006/main" xmlns:r="http://schemas.openxmlformats.org/officeDocument/2006/relationships" xmlns:p="http://schemas.openxmlformats.org/presentationml/2006/main">
   <p:cSld>
     <p:spTree>
@@ -3330,13 +3899,584 @@
         </p:nvSpPr>
         <p:spPr/>
         <p:txBody>
-          <a:bodyPr/>
+          <a:bodyPr>
+            <a:normAutofit fontScale="90000"/>
+          </a:bodyPr>
           <a:p>
             <a:r>
               <a:rPr lang="" altLang="en-US"/>
+              <a:t>Can we ACTUALLY estimate extinction?</a:t>
+            </a:r>
+            <a:endParaRPr lang="" altLang="en-US"/>
+          </a:p>
+        </p:txBody>
+      </p:sp>
+      <p:pic>
+        <p:nvPicPr>
+          <p:cNvPr id="4" name="Content Placeholder 3"/>
+          <p:cNvPicPr>
+            <a:picLocks noChangeAspect="1"/>
+          </p:cNvPicPr>
+          <p:nvPr>
+            <p:ph idx="1"/>
+          </p:nvPr>
+        </p:nvPicPr>
+        <p:blipFill>
+          <a:blip r:embed="rId1"/>
+          <a:stretch>
+            <a:fillRect/>
+          </a:stretch>
+        </p:blipFill>
+        <p:spPr>
+          <a:xfrm>
+            <a:off x="3295015" y="1539875"/>
+            <a:ext cx="5528945" cy="2329180"/>
+          </a:xfrm>
+          <a:prstGeom prst="rect">
+            <a:avLst/>
+          </a:prstGeom>
+        </p:spPr>
+      </p:pic>
+      <p:pic>
+        <p:nvPicPr>
+          <p:cNvPr id="5" name="Picture 4"/>
+          <p:cNvPicPr>
+            <a:picLocks noChangeAspect="1"/>
+          </p:cNvPicPr>
+          <p:nvPr/>
+        </p:nvPicPr>
+        <p:blipFill>
+          <a:blip r:embed="rId2"/>
+          <a:stretch>
+            <a:fillRect/>
+          </a:stretch>
+        </p:blipFill>
+        <p:spPr>
+          <a:xfrm>
+            <a:off x="2348865" y="4056380"/>
+            <a:ext cx="6605905" cy="2524760"/>
+          </a:xfrm>
+          <a:prstGeom prst="rect">
+            <a:avLst/>
+          </a:prstGeom>
+        </p:spPr>
+      </p:pic>
+      <p:sp>
+        <p:nvSpPr>
+          <p:cNvPr id="6" name="Text Box 5"/>
+          <p:cNvSpPr txBox="1"/>
+          <p:nvPr/>
+        </p:nvSpPr>
+        <p:spPr>
+          <a:xfrm>
+            <a:off x="42545" y="1894840"/>
+            <a:ext cx="3336290" cy="1476375"/>
+          </a:xfrm>
+          <a:prstGeom prst="rect">
+            <a:avLst/>
+          </a:prstGeom>
+          <a:noFill/>
+        </p:spPr>
+        <p:txBody>
+          <a:bodyPr wrap="none" rtlCol="0">
+            <a:spAutoFit/>
+          </a:bodyPr>
+          <a:p>
+            <a:r>
+              <a:rPr lang="" altLang="en-US"/>
+              <a:t>Frequently estimated to </a:t>
+            </a:r>
+            <a:endParaRPr lang="" altLang="en-US"/>
+          </a:p>
+          <a:p>
+            <a:r>
+              <a:rPr lang="" altLang="en-US"/>
+              <a:t>be 0, diversification rates</a:t>
+            </a:r>
+            <a:endParaRPr lang="" altLang="en-US"/>
+          </a:p>
+          <a:p>
+            <a:r>
+              <a:rPr lang="" altLang="en-US"/>
+              <a:t>often viewed as more reliable,</a:t>
+            </a:r>
+            <a:endParaRPr lang="" altLang="en-US"/>
+          </a:p>
+          <a:p>
+            <a:endParaRPr lang="" altLang="en-US"/>
+          </a:p>
+          <a:p>
+            <a:r>
+              <a:rPr lang="" altLang="en-US"/>
+              <a:t>but....</a:t>
+            </a:r>
+            <a:endParaRPr lang="" altLang="en-US"/>
+          </a:p>
+        </p:txBody>
+      </p:sp>
+    </p:spTree>
+  </p:cSld>
+  <p:clrMapOvr>
+    <a:masterClrMapping/>
+  </p:clrMapOvr>
+</p:sld>
+</file>
+
+<file path=ppt/slides/slide19.xml><?xml version="1.0" encoding="utf-8"?>
+<p:sld xmlns:a="http://schemas.openxmlformats.org/drawingml/2006/main" xmlns:r="http://schemas.openxmlformats.org/officeDocument/2006/relationships" xmlns:p="http://schemas.openxmlformats.org/presentationml/2006/main">
+  <p:cSld>
+    <p:spTree>
+      <p:nvGrpSpPr>
+        <p:cNvPr id="1" name=""/>
+        <p:cNvGrpSpPr/>
+        <p:nvPr/>
+      </p:nvGrpSpPr>
+      <p:grpSpPr/>
+      <p:sp>
+        <p:nvSpPr>
+          <p:cNvPr id="2" name="Title 1"/>
+          <p:cNvSpPr>
+            <a:spLocks noGrp="1"/>
+          </p:cNvSpPr>
+          <p:nvPr>
+            <p:ph type="title"/>
+          </p:nvPr>
+        </p:nvSpPr>
+        <p:spPr/>
+        <p:txBody>
+          <a:bodyPr/>
+          <a:p>
+            <a:endParaRPr lang="en-US"/>
+          </a:p>
+        </p:txBody>
+      </p:sp>
+      <p:pic>
+        <p:nvPicPr>
+          <p:cNvPr id="4" name="Content Placeholder 3"/>
+          <p:cNvPicPr>
+            <a:picLocks noChangeAspect="1"/>
+          </p:cNvPicPr>
+          <p:nvPr>
+            <p:ph idx="1"/>
+          </p:nvPr>
+        </p:nvPicPr>
+        <p:blipFill>
+          <a:blip r:embed="rId1"/>
+          <a:stretch>
+            <a:fillRect/>
+          </a:stretch>
+        </p:blipFill>
+        <p:spPr>
+          <a:xfrm>
+            <a:off x="572770" y="-8255"/>
+            <a:ext cx="7886700" cy="2928620"/>
+          </a:xfrm>
+          <a:prstGeom prst="rect">
+            <a:avLst/>
+          </a:prstGeom>
+        </p:spPr>
+      </p:pic>
+      <p:pic>
+        <p:nvPicPr>
+          <p:cNvPr id="6" name="Picture 5"/>
+          <p:cNvPicPr>
+            <a:picLocks noChangeAspect="1"/>
+          </p:cNvPicPr>
+          <p:nvPr/>
+        </p:nvPicPr>
+        <p:blipFill>
+          <a:blip r:embed="rId2"/>
+          <a:stretch>
+            <a:fillRect/>
+          </a:stretch>
+        </p:blipFill>
+        <p:spPr>
+          <a:xfrm>
+            <a:off x="455295" y="3359150"/>
+            <a:ext cx="8233410" cy="3248660"/>
+          </a:xfrm>
+          <a:prstGeom prst="rect">
+            <a:avLst/>
+          </a:prstGeom>
+        </p:spPr>
+      </p:pic>
+    </p:spTree>
+  </p:cSld>
+  <p:clrMapOvr>
+    <a:masterClrMapping/>
+  </p:clrMapOvr>
+</p:sld>
+</file>
+
+<file path=ppt/slides/slide2.xml><?xml version="1.0" encoding="utf-8"?>
+<p:sld xmlns:a="http://schemas.openxmlformats.org/drawingml/2006/main" xmlns:r="http://schemas.openxmlformats.org/officeDocument/2006/relationships" xmlns:p="http://schemas.openxmlformats.org/presentationml/2006/main">
+  <p:cSld>
+    <p:spTree>
+      <p:nvGrpSpPr>
+        <p:cNvPr id="1" name=""/>
+        <p:cNvGrpSpPr/>
+        <p:nvPr/>
+      </p:nvGrpSpPr>
+      <p:grpSpPr/>
+      <p:sp>
+        <p:nvSpPr>
+          <p:cNvPr id="2" name="Title 1"/>
+          <p:cNvSpPr>
+            <a:spLocks noGrp="1"/>
+          </p:cNvSpPr>
+          <p:nvPr>
+            <p:ph type="title"/>
+          </p:nvPr>
+        </p:nvSpPr>
+        <p:spPr/>
+        <p:txBody>
+          <a:bodyPr>
+            <a:normAutofit fontScale="90000"/>
+          </a:bodyPr>
+          <a:p>
+            <a:r>
+              <a:rPr lang="en-US" altLang="en-US"/>
+              <a:t>A word about Ancestral State Reconstruction...</a:t>
+            </a:r>
+            <a:endParaRPr lang="en-US" altLang="en-US"/>
+          </a:p>
+        </p:txBody>
+      </p:sp>
+    </p:spTree>
+  </p:cSld>
+  <p:clrMapOvr>
+    <a:masterClrMapping/>
+  </p:clrMapOvr>
+</p:sld>
+</file>
+
+<file path=ppt/slides/slide20.xml><?xml version="1.0" encoding="utf-8"?>
+<p:sld xmlns:a="http://schemas.openxmlformats.org/drawingml/2006/main" xmlns:r="http://schemas.openxmlformats.org/officeDocument/2006/relationships" xmlns:p="http://schemas.openxmlformats.org/presentationml/2006/main">
+  <p:cSld>
+    <p:spTree>
+      <p:nvGrpSpPr>
+        <p:cNvPr id="1" name=""/>
+        <p:cNvGrpSpPr/>
+        <p:nvPr/>
+      </p:nvGrpSpPr>
+      <p:grpSpPr/>
+      <p:sp>
+        <p:nvSpPr>
+          <p:cNvPr id="2" name="Title 1"/>
+          <p:cNvSpPr>
+            <a:spLocks noGrp="1"/>
+          </p:cNvSpPr>
+          <p:nvPr>
+            <p:ph type="title"/>
+          </p:nvPr>
+        </p:nvSpPr>
+        <p:spPr/>
+        <p:txBody>
+          <a:bodyPr>
+            <a:normAutofit fontScale="90000"/>
+          </a:bodyPr>
+          <a:p>
+            <a:r>
+              <a:rPr lang="" altLang="en-US"/>
+              <a:t>What's the deal with the BAMM fights?</a:t>
+            </a:r>
+            <a:endParaRPr lang="" altLang="en-US"/>
+          </a:p>
+        </p:txBody>
+      </p:sp>
+      <p:sp>
+        <p:nvSpPr>
+          <p:cNvPr id="3" name="Content Placeholder 2"/>
+          <p:cNvSpPr>
+            <a:spLocks noGrp="1"/>
+          </p:cNvSpPr>
+          <p:nvPr>
+            <p:ph idx="1"/>
+          </p:nvPr>
+        </p:nvSpPr>
+        <p:spPr>
+          <a:xfrm>
+            <a:off x="628650" y="1825625"/>
+            <a:ext cx="7886700" cy="4893945"/>
+          </a:xfrm>
+        </p:spPr>
+        <p:txBody>
+          <a:bodyPr/>
+          <a:p>
+            <a:pPr marL="0" indent="0">
+              <a:buNone/>
+            </a:pPr>
+            <a:r>
+              <a:rPr lang="" altLang="en-US"/>
+              <a:t>BAMM's likelihood is wrong - model tries to evaluate diversification shifts as a Poisson Point Process </a:t>
+            </a:r>
+            <a:endParaRPr lang="" altLang="en-US"/>
+          </a:p>
+          <a:p>
+            <a:pPr marL="0" indent="0">
+              <a:buNone/>
+            </a:pPr>
+            <a:r>
+              <a:rPr lang="" altLang="en-US"/>
+              <a:t>Such a process however, produces shifts on branches that then increase in extinction rate; biasing the sample of what is observed</a:t>
+            </a:r>
+            <a:endParaRPr lang="" altLang="en-US"/>
+          </a:p>
+          <a:p>
+            <a:pPr marL="0" indent="0">
+              <a:buNone/>
+            </a:pPr>
+            <a:r>
+              <a:rPr lang="" altLang="en-US"/>
+              <a:t>Accounting for those “unobserved shifts” is not done correctly, and we don't have a method that does it correctly - hard problem. </a:t>
+            </a:r>
+            <a:endParaRPr lang="" altLang="en-US"/>
+          </a:p>
+          <a:p>
+            <a:pPr marL="0" indent="0">
+              <a:buNone/>
+            </a:pPr>
+            <a:r>
+              <a:rPr lang="" altLang="en-US"/>
+              <a:t>But....results probably correlated with the truth/good heuristic</a:t>
+            </a:r>
+            <a:endParaRPr lang="" altLang="en-US"/>
+          </a:p>
+        </p:txBody>
+      </p:sp>
+    </p:spTree>
+  </p:cSld>
+  <p:clrMapOvr>
+    <a:masterClrMapping/>
+  </p:clrMapOvr>
+</p:sld>
+</file>
+
+<file path=ppt/slides/slide21.xml><?xml version="1.0" encoding="utf-8"?>
+<p:sld xmlns:a="http://schemas.openxmlformats.org/drawingml/2006/main" xmlns:r="http://schemas.openxmlformats.org/officeDocument/2006/relationships" xmlns:p="http://schemas.openxmlformats.org/presentationml/2006/main">
+  <p:cSld>
+    <p:spTree>
+      <p:nvGrpSpPr>
+        <p:cNvPr id="1" name=""/>
+        <p:cNvGrpSpPr/>
+        <p:nvPr/>
+      </p:nvGrpSpPr>
+      <p:grpSpPr/>
+      <p:sp>
+        <p:nvSpPr>
+          <p:cNvPr id="2" name="Title 1"/>
+          <p:cNvSpPr>
+            <a:spLocks noGrp="1"/>
+          </p:cNvSpPr>
+          <p:nvPr>
+            <p:ph type="title"/>
+          </p:nvPr>
+        </p:nvSpPr>
+        <p:spPr/>
+        <p:txBody>
+          <a:bodyPr/>
+          <a:p>
+            <a:r>
+              <a:rPr lang="en-US" altLang="en-US"/>
+              <a:t>Other active areas of research:</a:t>
+            </a:r>
+            <a:endParaRPr lang="en-US" altLang="en-US"/>
+          </a:p>
+        </p:txBody>
+      </p:sp>
+      <p:sp>
+        <p:nvSpPr>
+          <p:cNvPr id="3" name="Content Placeholder 2"/>
+          <p:cNvSpPr>
+            <a:spLocks noGrp="1"/>
+          </p:cNvSpPr>
+          <p:nvPr>
+            <p:ph idx="1"/>
+          </p:nvPr>
+        </p:nvSpPr>
+        <p:spPr/>
+        <p:txBody>
+          <a:bodyPr/>
+          <a:p>
+            <a:r>
+              <a:rPr lang="en-US" altLang="en-US"/>
+              <a:t>Incorporating fossils &amp; sampling</a:t>
+            </a:r>
+            <a:endParaRPr lang="en-US" altLang="en-US"/>
+          </a:p>
+          <a:p>
+            <a:r>
+              <a:rPr lang="en-US" altLang="en-US"/>
+              <a:t>Diversity-dependent diversification</a:t>
+            </a:r>
+            <a:endParaRPr lang="en-US" altLang="en-US"/>
+          </a:p>
+          <a:p>
+            <a:r>
+              <a:rPr lang="en-US" altLang="en-US"/>
+              <a:t>Time-varying diversification</a:t>
+            </a:r>
+            <a:endParaRPr lang="en-US" altLang="en-US"/>
+          </a:p>
+          <a:p>
+            <a:r>
+              <a:rPr lang="en-US" altLang="en-US"/>
+              <a:t>Protracted Speciation</a:t>
+            </a:r>
+            <a:endParaRPr lang="en-US" altLang="en-US"/>
+          </a:p>
+          <a:p>
+            <a:r>
+              <a:rPr lang="en-US" altLang="en-US"/>
+              <a:t>Neutral theory (Hubbell) from ecology</a:t>
+            </a:r>
+            <a:endParaRPr lang="en-US" altLang="en-US"/>
+          </a:p>
+          <a:p>
+            <a:r>
+              <a:rPr lang="en-US" altLang="en-US"/>
+              <a:t>Trait-dependent diversification</a:t>
+            </a:r>
+            <a:endParaRPr lang="en-US" altLang="en-US"/>
+          </a:p>
+        </p:txBody>
+      </p:sp>
+    </p:spTree>
+  </p:cSld>
+  <p:clrMapOvr>
+    <a:masterClrMapping/>
+  </p:clrMapOvr>
+</p:sld>
+</file>
+
+<file path=ppt/slides/slide22.xml><?xml version="1.0" encoding="utf-8"?>
+<p:sld xmlns:a="http://schemas.openxmlformats.org/drawingml/2006/main" xmlns:r="http://schemas.openxmlformats.org/officeDocument/2006/relationships" xmlns:p="http://schemas.openxmlformats.org/presentationml/2006/main">
+  <p:cSld>
+    <p:spTree>
+      <p:nvGrpSpPr>
+        <p:cNvPr id="1" name=""/>
+        <p:cNvGrpSpPr/>
+        <p:nvPr/>
+      </p:nvGrpSpPr>
+      <p:grpSpPr/>
+      <p:sp>
+        <p:nvSpPr>
+          <p:cNvPr id="2" name="Title 1"/>
+          <p:cNvSpPr>
+            <a:spLocks noGrp="1"/>
+          </p:cNvSpPr>
+          <p:nvPr>
+            <p:ph type="title"/>
+          </p:nvPr>
+        </p:nvSpPr>
+        <p:spPr>
+          <a:xfrm>
+            <a:off x="628650" y="-52705"/>
+            <a:ext cx="7886700" cy="1325563"/>
+          </a:xfrm>
+        </p:spPr>
+        <p:txBody>
+          <a:bodyPr/>
+          <a:p>
+            <a:r>
+              <a:rPr lang="" altLang="en-US"/>
+              <a:t>Trait-dependent diversification</a:t>
+            </a:r>
+            <a:endParaRPr lang="" altLang="en-US"/>
+          </a:p>
+        </p:txBody>
+      </p:sp>
+      <p:sp>
+        <p:nvSpPr>
+          <p:cNvPr id="3" name="Content Placeholder 2"/>
+          <p:cNvSpPr>
+            <a:spLocks noGrp="1"/>
+          </p:cNvSpPr>
+          <p:nvPr>
+            <p:ph idx="1"/>
+          </p:nvPr>
+        </p:nvSpPr>
+        <p:spPr>
+          <a:xfrm>
+            <a:off x="628650" y="940435"/>
+            <a:ext cx="7886700" cy="4351338"/>
+          </a:xfrm>
+        </p:spPr>
+        <p:txBody>
+          <a:bodyPr/>
+          <a:p>
+            <a:pPr marL="0" indent="0">
+              <a:buNone/>
+            </a:pPr>
+            <a:r>
+              <a:rPr lang="" altLang="en-US"/>
+              <a:t>One approach: Estimate net div in a bunch of clades, estimate trait (prop/freq) in same clades, see if correlated (w/PGLS)</a:t>
+            </a:r>
+            <a:endParaRPr lang="" altLang="en-US"/>
+          </a:p>
+        </p:txBody>
+      </p:sp>
+      <p:pic>
+        <p:nvPicPr>
+          <p:cNvPr id="5" name="Picture 4"/>
+          <p:cNvPicPr>
+            <a:picLocks noChangeAspect="1"/>
+          </p:cNvPicPr>
+          <p:nvPr/>
+        </p:nvPicPr>
+        <p:blipFill>
+          <a:blip r:embed="rId1"/>
+          <a:stretch>
+            <a:fillRect/>
+          </a:stretch>
+        </p:blipFill>
+        <p:spPr>
+          <a:xfrm>
+            <a:off x="1500505" y="2235200"/>
+            <a:ext cx="6657975" cy="4558030"/>
+          </a:xfrm>
+          <a:prstGeom prst="rect">
+            <a:avLst/>
+          </a:prstGeom>
+        </p:spPr>
+      </p:pic>
+    </p:spTree>
+  </p:cSld>
+  <p:clrMapOvr>
+    <a:masterClrMapping/>
+  </p:clrMapOvr>
+</p:sld>
+</file>
+
+<file path=ppt/slides/slide23.xml><?xml version="1.0" encoding="utf-8"?>
+<p:sld xmlns:a="http://schemas.openxmlformats.org/drawingml/2006/main" xmlns:r="http://schemas.openxmlformats.org/officeDocument/2006/relationships" xmlns:p="http://schemas.openxmlformats.org/presentationml/2006/main">
+  <p:cSld>
+    <p:spTree>
+      <p:nvGrpSpPr>
+        <p:cNvPr id="1" name=""/>
+        <p:cNvGrpSpPr/>
+        <p:nvPr/>
+      </p:nvGrpSpPr>
+      <p:grpSpPr/>
+      <p:sp>
+        <p:nvSpPr>
+          <p:cNvPr id="2" name="Title 1"/>
+          <p:cNvSpPr>
+            <a:spLocks noGrp="1"/>
+          </p:cNvSpPr>
+          <p:nvPr>
+            <p:ph type="title"/>
+          </p:nvPr>
+        </p:nvSpPr>
+        <p:spPr/>
+        <p:txBody>
+          <a:bodyPr/>
+          <a:p>
+            <a:r>
+              <a:rPr lang="en-US" altLang="en-US"/>
               <a:t>Trait-dependent Diversification</a:t>
             </a:r>
-            <a:endParaRPr lang="" altLang="en-US"/>
+            <a:endParaRPr lang="en-US" altLang="en-US"/>
           </a:p>
         </p:txBody>
       </p:sp>
@@ -3358,46 +4498,56 @@
               <a:buNone/>
             </a:pPr>
             <a:r>
-              <a:rPr lang="" altLang="en-US" i="1"/>
+              <a:rPr lang="en-US" altLang="en-US" i="1"/>
               <a:t>Species Selection (sometimes species sorting) </a:t>
             </a:r>
-            <a:endParaRPr lang="" altLang="en-US"/>
-          </a:p>
-          <a:p>
-            <a:pPr marL="0" indent="0">
-              <a:buNone/>
-            </a:pPr>
-            <a:endParaRPr lang="" altLang="en-US"/>
-          </a:p>
-          <a:p>
-            <a:pPr marL="0" indent="0">
-              <a:buNone/>
-            </a:pPr>
-            <a:endParaRPr lang="" altLang="en-US" i="1"/>
-          </a:p>
-          <a:p>
-            <a:pPr marL="0" indent="0">
-              <a:buNone/>
-            </a:pPr>
-            <a:endParaRPr lang="" altLang="en-US" i="1"/>
-          </a:p>
-          <a:p>
-            <a:pPr marL="0" indent="0">
-              <a:buNone/>
-            </a:pPr>
-            <a:endParaRPr lang="" altLang="en-US"/>
-          </a:p>
-          <a:p>
-            <a:pPr marL="0" indent="0">
-              <a:buNone/>
-            </a:pPr>
-            <a:endParaRPr lang="" altLang="en-US"/>
-          </a:p>
-          <a:p>
-            <a:pPr marL="0" indent="0">
-              <a:buNone/>
-            </a:pPr>
-            <a:endParaRPr lang="" altLang="en-US"/>
+            <a:endParaRPr lang="en-US" altLang="en-US" i="1"/>
+          </a:p>
+          <a:p>
+            <a:pPr marL="0" indent="0">
+              <a:buNone/>
+            </a:pPr>
+            <a:r>
+              <a:rPr lang="" altLang="en-US"/>
+              <a:t>		-- Controversial?!? Not anymore!</a:t>
+            </a:r>
+            <a:endParaRPr lang="en-US" altLang="en-US"/>
+          </a:p>
+          <a:p>
+            <a:pPr marL="0" indent="0">
+              <a:buNone/>
+            </a:pPr>
+            <a:endParaRPr lang="en-US" altLang="en-US"/>
+          </a:p>
+          <a:p>
+            <a:pPr marL="0" indent="0">
+              <a:buNone/>
+            </a:pPr>
+            <a:endParaRPr lang="en-US" altLang="en-US" i="1"/>
+          </a:p>
+          <a:p>
+            <a:pPr marL="0" indent="0">
+              <a:buNone/>
+            </a:pPr>
+            <a:endParaRPr lang="en-US" altLang="en-US" i="1"/>
+          </a:p>
+          <a:p>
+            <a:pPr marL="0" indent="0">
+              <a:buNone/>
+            </a:pPr>
+            <a:endParaRPr lang="en-US" altLang="en-US"/>
+          </a:p>
+          <a:p>
+            <a:pPr marL="0" indent="0">
+              <a:buNone/>
+            </a:pPr>
+            <a:endParaRPr lang="en-US" altLang="en-US"/>
+          </a:p>
+          <a:p>
+            <a:pPr marL="0" indent="0">
+              <a:buNone/>
+            </a:pPr>
+            <a:endParaRPr lang="en-US" altLang="en-US"/>
           </a:p>
         </p:txBody>
       </p:sp>
@@ -3433,7 +4583,7 @@
 </p:sld>
 </file>
 
-<file path=ppt/slides/slide15.xml><?xml version="1.0" encoding="utf-8"?>
+<file path=ppt/slides/slide24.xml><?xml version="1.0" encoding="utf-8"?>
 <p:sld xmlns:a="http://schemas.openxmlformats.org/drawingml/2006/main" xmlns:r="http://schemas.openxmlformats.org/officeDocument/2006/relationships" xmlns:p="http://schemas.openxmlformats.org/presentationml/2006/main">
   <p:cSld>
     <p:spTree>
@@ -3453,72 +4603,89 @@
             <p:ph type="title"/>
           </p:nvPr>
         </p:nvSpPr>
-        <p:spPr/>
-        <p:txBody>
-          <a:bodyPr/>
-          <a:p>
+        <p:spPr>
+          <a:xfrm>
+            <a:off x="628650" y="13970"/>
+            <a:ext cx="7886700" cy="1325563"/>
+          </a:xfrm>
+        </p:spPr>
+        <p:txBody>
+          <a:bodyPr/>
+          <a:p>
+            <a:r>
+              <a:rPr lang="en-US" altLang="en-US"/>
+              <a:t>Why important?</a:t>
+            </a:r>
+            <a:endParaRPr lang="en-US" altLang="en-US"/>
+          </a:p>
+        </p:txBody>
+      </p:sp>
+      <p:sp>
+        <p:nvSpPr>
+          <p:cNvPr id="3" name="Content Placeholder 2"/>
+          <p:cNvSpPr>
+            <a:spLocks noGrp="1"/>
+          </p:cNvSpPr>
+          <p:nvPr>
+            <p:ph idx="1"/>
+          </p:nvPr>
+        </p:nvSpPr>
+        <p:spPr>
+          <a:xfrm>
+            <a:off x="628650" y="1339850"/>
+            <a:ext cx="7886700" cy="4351338"/>
+          </a:xfrm>
+        </p:spPr>
+        <p:txBody>
+          <a:bodyPr/>
+          <a:p>
+            <a:pPr marL="0" indent="0">
+              <a:buNone/>
+            </a:pPr>
+            <a:r>
+              <a:rPr lang="en-US" altLang="en-US"/>
+              <a:t>Ancestral state reconstructions </a:t>
+            </a:r>
+            <a:r>
+              <a:rPr lang="en-US" altLang="en-US" i="1"/>
+              <a:t>biased</a:t>
+            </a:r>
+            <a:r>
+              <a:rPr lang="en-US" altLang="en-US"/>
+              <a:t> with trait-dependent diversification!</a:t>
+            </a:r>
+            <a:br>
+              <a:rPr lang="en-US" altLang="en-US"/>
+            </a:br>
             <a:r>
               <a:rPr lang="" altLang="en-US"/>
-              <a:t>Why important?</a:t>
-            </a:r>
-            <a:endParaRPr lang="" altLang="en-US"/>
-          </a:p>
-        </p:txBody>
-      </p:sp>
-      <p:sp>
-        <p:nvSpPr>
-          <p:cNvPr id="3" name="Content Placeholder 2"/>
-          <p:cNvSpPr>
-            <a:spLocks noGrp="1"/>
-          </p:cNvSpPr>
-          <p:nvPr>
-            <p:ph idx="1"/>
-          </p:nvPr>
-        </p:nvSpPr>
-        <p:spPr/>
-        <p:txBody>
-          <a:bodyPr/>
-          <a:p>
-            <a:pPr marL="0" indent="0">
-              <a:buNone/>
-            </a:pPr>
-            <a:r>
-              <a:rPr lang="" altLang="en-US"/>
-              <a:t>Ancestral state reconstructions </a:t>
-            </a:r>
-            <a:r>
-              <a:rPr lang="" altLang="en-US" i="1"/>
-              <a:t>biased</a:t>
-            </a:r>
-            <a:r>
-              <a:rPr lang="" altLang="en-US"/>
-              <a:t> with trait-dependent diversification!</a:t>
-            </a:r>
-            <a:endParaRPr lang="" altLang="en-US"/>
-          </a:p>
-          <a:p>
-            <a:pPr marL="0" indent="0">
-              <a:buNone/>
-            </a:pPr>
-            <a:endParaRPr lang="" altLang="en-US"/>
-          </a:p>
-          <a:p>
-            <a:pPr marL="0" indent="0">
-              <a:buNone/>
-            </a:pPr>
-            <a:endParaRPr lang="" altLang="en-US"/>
-          </a:p>
-          <a:p>
-            <a:pPr marL="0" indent="0">
-              <a:buNone/>
-            </a:pPr>
-            <a:endParaRPr lang="" altLang="en-US"/>
-          </a:p>
-          <a:p>
-            <a:pPr marL="0" indent="0">
-              <a:buNone/>
-            </a:pPr>
-            <a:endParaRPr lang="" altLang="en-US"/>
+              <a:t>(Maddison 2007)</a:t>
+            </a:r>
+            <a:endParaRPr lang="en-US" altLang="en-US"/>
+          </a:p>
+          <a:p>
+            <a:pPr marL="0" indent="0">
+              <a:buNone/>
+            </a:pPr>
+            <a:endParaRPr lang="en-US" altLang="en-US"/>
+          </a:p>
+          <a:p>
+            <a:pPr marL="0" indent="0">
+              <a:buNone/>
+            </a:pPr>
+            <a:endParaRPr lang="en-US" altLang="en-US"/>
+          </a:p>
+          <a:p>
+            <a:pPr marL="0" indent="0">
+              <a:buNone/>
+            </a:pPr>
+            <a:endParaRPr lang="en-US" altLang="en-US"/>
+          </a:p>
+          <a:p>
+            <a:pPr marL="0" indent="0">
+              <a:buNone/>
+            </a:pPr>
+            <a:endParaRPr lang="en-US" altLang="en-US"/>
           </a:p>
         </p:txBody>
       </p:sp>
@@ -3578,7 +4745,7 @@
 </p:sld>
 </file>
 
-<file path=ppt/slides/slide16.xml><?xml version="1.0" encoding="utf-8"?>
+<file path=ppt/slides/slide25.xml><?xml version="1.0" encoding="utf-8"?>
 <p:sld xmlns:a="http://schemas.openxmlformats.org/drawingml/2006/main" xmlns:r="http://schemas.openxmlformats.org/officeDocument/2006/relationships" xmlns:p="http://schemas.openxmlformats.org/presentationml/2006/main">
   <p:cSld>
     <p:spTree>
@@ -3656,10 +4823,10 @@
           <a:bodyPr/>
           <a:p>
             <a:r>
-              <a:rPr lang="" altLang="en-US"/>
+              <a:rPr lang="en-US" altLang="en-US"/>
               <a:t>Example:</a:t>
             </a:r>
-            <a:endParaRPr lang="" altLang="en-US"/>
+            <a:endParaRPr lang="en-US" altLang="en-US"/>
           </a:p>
         </p:txBody>
       </p:sp>
@@ -3686,37 +4853,37 @@
               <a:buNone/>
             </a:pPr>
             <a:r>
-              <a:rPr lang="" altLang="en-US"/>
+              <a:rPr lang="en-US" altLang="en-US"/>
               <a:t>Self-incompatibility in plants: Prevents selfing</a:t>
             </a:r>
-            <a:endParaRPr lang="" altLang="en-US"/>
-          </a:p>
-          <a:p>
-            <a:pPr marL="0" indent="0">
-              <a:buNone/>
-            </a:pPr>
-            <a:r>
-              <a:rPr lang="" altLang="en-US"/>
+            <a:endParaRPr lang="en-US" altLang="en-US"/>
+          </a:p>
+          <a:p>
+            <a:pPr marL="0" indent="0">
+              <a:buNone/>
+            </a:pPr>
+            <a:r>
+              <a:rPr lang="en-US" altLang="en-US"/>
               <a:t>Equal distribution but...</a:t>
             </a:r>
-            <a:endParaRPr lang="" altLang="en-US"/>
-          </a:p>
-          <a:p>
-            <a:pPr marL="0" indent="0">
-              <a:buNone/>
-            </a:pPr>
-            <a:r>
-              <a:rPr lang="" altLang="en-US"/>
+            <a:endParaRPr lang="en-US" altLang="en-US"/>
+          </a:p>
+          <a:p>
+            <a:pPr marL="0" indent="0">
+              <a:buNone/>
+            </a:pPr>
+            <a:r>
+              <a:rPr lang="en-US" altLang="en-US"/>
               <a:t>Selfing results in higher speciation rates AND higher extinction rates</a:t>
             </a:r>
-            <a:endParaRPr lang="" altLang="en-US"/>
-          </a:p>
-          <a:p>
-            <a:pPr marL="0" indent="0">
-              <a:buNone/>
-            </a:pPr>
-            <a:r>
-              <a:rPr lang="" altLang="en-US"/>
+            <a:endParaRPr lang="en-US" altLang="en-US"/>
+          </a:p>
+          <a:p>
+            <a:pPr marL="0" indent="0">
+              <a:buNone/>
+            </a:pPr>
+            <a:r>
+              <a:rPr lang="en-US" altLang="en-US"/>
               <a:t>Ancestor more likely SI than SC</a:t>
             </a:r>
             <a:endParaRPr lang="en-US" altLang="en-US"/>
@@ -3755,7 +4922,7 @@
 </p:sld>
 </file>
 
-<file path=ppt/slides/slide17.xml><?xml version="1.0" encoding="utf-8"?>
+<file path=ppt/slides/slide26.xml><?xml version="1.0" encoding="utf-8"?>
 <p:sld xmlns:a="http://schemas.openxmlformats.org/drawingml/2006/main" xmlns:r="http://schemas.openxmlformats.org/officeDocument/2006/relationships" xmlns:p="http://schemas.openxmlformats.org/presentationml/2006/main">
   <p:cSld>
     <p:spTree>
@@ -3777,7 +4944,7 @@
         </p:nvSpPr>
         <p:spPr>
           <a:xfrm>
-            <a:off x="628650" y="39370"/>
+            <a:off x="628650" y="-91440"/>
             <a:ext cx="7886700" cy="1325563"/>
           </a:xfrm>
         </p:spPr>
@@ -3785,10 +4952,10 @@
           <a:bodyPr/>
           <a:p>
             <a:r>
-              <a:rPr lang="" altLang="en-US"/>
+              <a:rPr lang="en-US" altLang="en-US"/>
               <a:t>The SSE family of models</a:t>
             </a:r>
-            <a:endParaRPr lang="" altLang="en-US"/>
+            <a:endParaRPr lang="en-US" altLang="en-US"/>
           </a:p>
         </p:txBody>
       </p:sp>
@@ -3817,121 +4984,121 @@
               <a:buNone/>
             </a:pPr>
             <a:r>
-              <a:rPr lang="" altLang="en-US" b="1"/>
+              <a:rPr lang="en-US" altLang="en-US" b="1"/>
               <a:t>Trait models:</a:t>
             </a:r>
-            <a:endParaRPr lang="" altLang="en-US"/>
-          </a:p>
-          <a:p>
-            <a:pPr marL="0" indent="0">
-              <a:buNone/>
-            </a:pPr>
-            <a:r>
-              <a:rPr lang="" altLang="en-US"/>
+            <a:endParaRPr lang="en-US" altLang="en-US"/>
+          </a:p>
+          <a:p>
+            <a:pPr marL="0" indent="0">
+              <a:buNone/>
+            </a:pPr>
+            <a:r>
+              <a:rPr lang="en-US" altLang="en-US"/>
               <a:t>BiSSE: Binary State-dependent Speciation and Extinction (extensions for incompletely resolved trees)</a:t>
             </a:r>
-            <a:endParaRPr lang="" altLang="en-US"/>
-          </a:p>
-          <a:p>
-            <a:pPr marL="0" indent="0">
-              <a:buNone/>
-            </a:pPr>
-            <a:r>
-              <a:rPr lang="" altLang="en-US"/>
+            <a:endParaRPr lang="en-US" altLang="en-US"/>
+          </a:p>
+          <a:p>
+            <a:pPr marL="0" indent="0">
+              <a:buNone/>
+            </a:pPr>
+            <a:r>
+              <a:rPr lang="en-US" altLang="en-US"/>
               <a:t>MuSSE: Multiple SSE</a:t>
             </a:r>
-            <a:endParaRPr lang="" altLang="en-US"/>
-          </a:p>
-          <a:p>
-            <a:pPr marL="0" indent="0">
-              <a:buNone/>
-            </a:pPr>
-            <a:r>
-              <a:rPr lang="" altLang="en-US"/>
+            <a:endParaRPr lang="en-US" altLang="en-US"/>
+          </a:p>
+          <a:p>
+            <a:pPr marL="0" indent="0">
+              <a:buNone/>
+            </a:pPr>
+            <a:r>
+              <a:rPr lang="en-US" altLang="en-US"/>
               <a:t>QuaSSE: Quantitative SSE (but slow)</a:t>
             </a:r>
-            <a:endParaRPr lang="" altLang="en-US"/>
-          </a:p>
-          <a:p>
-            <a:pPr marL="0" indent="0">
-              <a:buNone/>
-            </a:pPr>
-            <a:endParaRPr lang="" altLang="en-US"/>
-          </a:p>
-          <a:p>
-            <a:pPr marL="0" indent="0">
-              <a:buNone/>
-            </a:pPr>
-            <a:r>
-              <a:rPr lang="" altLang="en-US" b="1"/>
+            <a:endParaRPr lang="en-US" altLang="en-US"/>
+          </a:p>
+          <a:p>
+            <a:pPr marL="0" indent="0">
+              <a:buNone/>
+            </a:pPr>
+            <a:endParaRPr lang="en-US" altLang="en-US"/>
+          </a:p>
+          <a:p>
+            <a:pPr marL="0" indent="0">
+              <a:buNone/>
+            </a:pPr>
+            <a:r>
+              <a:rPr lang="en-US" altLang="en-US" b="1"/>
               <a:t>Models where something special happens at nodes:</a:t>
             </a:r>
-            <a:endParaRPr lang="" altLang="en-US" b="1"/>
-          </a:p>
-          <a:p>
-            <a:pPr marL="0" indent="0">
-              <a:buNone/>
-            </a:pPr>
-            <a:r>
-              <a:rPr lang="" altLang="en-US"/>
+            <a:endParaRPr lang="en-US" altLang="en-US" b="1"/>
+          </a:p>
+          <a:p>
+            <a:pPr marL="0" indent="0">
+              <a:buNone/>
+            </a:pPr>
+            <a:r>
+              <a:rPr lang="en-US" altLang="en-US"/>
               <a:t>GeoSSE: Geographic SSE (DEC + SSE)</a:t>
             </a:r>
-            <a:endParaRPr lang="" altLang="en-US"/>
-          </a:p>
-          <a:p>
-            <a:pPr marL="0" indent="0">
-              <a:buNone/>
-            </a:pPr>
-            <a:r>
-              <a:rPr lang="" altLang="en-US"/>
+            <a:endParaRPr lang="en-US" altLang="en-US"/>
+          </a:p>
+          <a:p>
+            <a:pPr marL="0" indent="0">
+              <a:buNone/>
+            </a:pPr>
+            <a:r>
+              <a:rPr lang="en-US" altLang="en-US"/>
               <a:t>BiSSE-ness/ClaSSE: Cladogenetic SSE</a:t>
             </a:r>
-            <a:endParaRPr lang="" altLang="en-US"/>
+            <a:endParaRPr lang="en-US" altLang="en-US"/>
           </a:p>
           <a:p>
             <a:pPr marL="0" indent="0">
               <a:buNone/>
             </a:pPr>
             <a:br>
-              <a:rPr lang="" altLang="en-US"/>
+              <a:rPr lang="en-US" altLang="en-US"/>
             </a:br>
             <a:r>
-              <a:rPr lang="" altLang="en-US" b="1"/>
+              <a:rPr lang="en-US" altLang="en-US" b="1"/>
               <a:t>Hidden-state models that account for background heterogeneity:</a:t>
             </a:r>
-            <a:endParaRPr lang="" altLang="en-US" b="1"/>
-          </a:p>
-          <a:p>
-            <a:pPr marL="0" indent="0">
-              <a:buNone/>
-            </a:pPr>
-            <a:r>
-              <a:rPr lang="" altLang="en-US"/>
+            <a:endParaRPr lang="en-US" altLang="en-US" b="1"/>
+          </a:p>
+          <a:p>
+            <a:pPr marL="0" indent="0">
+              <a:buNone/>
+            </a:pPr>
+            <a:r>
+              <a:rPr lang="en-US" altLang="en-US"/>
               <a:t>HiSSE: Hidden-State SSE (Solution to problem pointed out by Rabosky and Goldberg)</a:t>
             </a:r>
-            <a:endParaRPr lang="" altLang="en-US"/>
-          </a:p>
-          <a:p>
-            <a:pPr marL="0" indent="0">
-              <a:buNone/>
-            </a:pPr>
-            <a:r>
-              <a:rPr lang="" altLang="en-US"/>
+            <a:endParaRPr lang="en-US" altLang="en-US"/>
+          </a:p>
+          <a:p>
+            <a:pPr marL="0" indent="0">
+              <a:buNone/>
+            </a:pPr>
+            <a:r>
+              <a:rPr lang="en-US" altLang="en-US"/>
               <a:t>GeoHiSSE: Geographic Hidden-State SSE</a:t>
             </a:r>
-            <a:endParaRPr lang="" altLang="en-US"/>
-          </a:p>
-          <a:p>
-            <a:pPr marL="0" indent="0">
-              <a:buNone/>
-            </a:pPr>
-            <a:endParaRPr lang="" altLang="en-US"/>
-          </a:p>
-          <a:p>
-            <a:pPr marL="0" indent="0">
-              <a:buNone/>
-            </a:pPr>
-            <a:endParaRPr lang="" altLang="en-US"/>
+            <a:endParaRPr lang="en-US" altLang="en-US"/>
+          </a:p>
+          <a:p>
+            <a:pPr marL="0" indent="0">
+              <a:buNone/>
+            </a:pPr>
+            <a:endParaRPr lang="en-US" altLang="en-US"/>
+          </a:p>
+          <a:p>
+            <a:pPr marL="0" indent="0">
+              <a:buNone/>
+            </a:pPr>
+            <a:endParaRPr lang="en-US" altLang="en-US"/>
           </a:p>
         </p:txBody>
       </p:sp>
@@ -3943,7 +5110,7 @@
 </p:sld>
 </file>
 
-<file path=ppt/slides/slide18.xml><?xml version="1.0" encoding="utf-8"?>
+<file path=ppt/slides/slide27.xml><?xml version="1.0" encoding="utf-8"?>
 <p:sld xmlns:a="http://schemas.openxmlformats.org/drawingml/2006/main" xmlns:r="http://schemas.openxmlformats.org/officeDocument/2006/relationships" xmlns:p="http://schemas.openxmlformats.org/presentationml/2006/main">
   <p:cSld>
     <p:spTree>
@@ -4038,7 +5205,7 @@
 </p:sld>
 </file>
 
-<file path=ppt/slides/slide19.xml><?xml version="1.0" encoding="utf-8"?>
+<file path=ppt/slides/slide28.xml><?xml version="1.0" encoding="utf-8"?>
 <p:sld xmlns:a="http://schemas.openxmlformats.org/drawingml/2006/main" xmlns:r="http://schemas.openxmlformats.org/officeDocument/2006/relationships" xmlns:p="http://schemas.openxmlformats.org/presentationml/2006/main">
   <p:cSld>
     <p:spTree>
@@ -4114,14 +5281,14 @@
           </a:bodyPr>
           <a:p>
             <a:r>
-              <a:rPr lang="" altLang="en-US"/>
+              <a:rPr lang="en-US" altLang="en-US"/>
               <a:t>Ng &amp; Smith 2014</a:t>
             </a:r>
             <a:r>
-              <a:rPr lang="" altLang="en-US" i="1"/>
+              <a:rPr lang="en-US" altLang="en-US" i="1"/>
               <a:t>, Journal of Evolutionary Biology  </a:t>
             </a:r>
-            <a:endParaRPr lang="" altLang="en-US" i="1"/>
+            <a:endParaRPr lang="en-US" altLang="en-US" i="1"/>
           </a:p>
         </p:txBody>
       </p:sp>
@@ -4133,7 +5300,7 @@
 </p:sld>
 </file>
 
-<file path=ppt/slides/slide2.xml><?xml version="1.0" encoding="utf-8"?>
+<file path=ppt/slides/slide29.xml><?xml version="1.0" encoding="utf-8"?>
 <p:sld xmlns:a="http://schemas.openxmlformats.org/drawingml/2006/main" xmlns:r="http://schemas.openxmlformats.org/officeDocument/2006/relationships" xmlns:p="http://schemas.openxmlformats.org/presentationml/2006/main">
   <p:cSld>
     <p:spTree>
@@ -4153,30 +5320,23 @@
             <p:ph type="title"/>
           </p:nvPr>
         </p:nvSpPr>
-        <p:spPr>
-          <a:xfrm>
-            <a:off x="800100" y="328295"/>
-            <a:ext cx="7886700" cy="1325563"/>
-          </a:xfrm>
-        </p:spPr>
-        <p:txBody>
-          <a:bodyPr/>
-          <a:p>
-            <a:r>
-              <a:rPr lang="" altLang="en-US"/>
-              <a:t>Why care about diversification?</a:t>
-            </a:r>
-            <a:endParaRPr lang="" altLang="en-US"/>
+        <p:spPr/>
+        <p:txBody>
+          <a:bodyPr/>
+          <a:p>
+            <a:endParaRPr lang="en-US"/>
           </a:p>
         </p:txBody>
       </p:sp>
       <p:pic>
         <p:nvPicPr>
-          <p:cNvPr id="4" name="Picture 3"/>
+          <p:cNvPr id="4" name="Content Placeholder 3"/>
           <p:cNvPicPr>
             <a:picLocks noChangeAspect="1"/>
           </p:cNvPicPr>
-          <p:nvPr/>
+          <p:nvPr>
+            <p:ph idx="1"/>
+          </p:nvPr>
         </p:nvPicPr>
         <p:blipFill>
           <a:blip r:embed="rId1"/>
@@ -4186,193 +5346,8 @@
         </p:blipFill>
         <p:spPr>
           <a:xfrm>
-            <a:off x="928370" y="1532890"/>
-            <a:ext cx="7287895" cy="5127625"/>
-          </a:xfrm>
-          <a:prstGeom prst="rect">
-            <a:avLst/>
-          </a:prstGeom>
-        </p:spPr>
-      </p:pic>
-      <p:sp>
-        <p:nvSpPr>
-          <p:cNvPr id="5" name="Title 1"/>
-          <p:cNvSpPr>
-            <a:spLocks noGrp="1"/>
-          </p:cNvSpPr>
-          <p:nvPr/>
-        </p:nvSpPr>
-        <p:spPr>
-          <a:xfrm>
-            <a:off x="5290185" y="5961380"/>
-            <a:ext cx="7886700" cy="1325563"/>
-          </a:xfrm>
-          <a:prstGeom prst="rect">
-            <a:avLst/>
-          </a:prstGeom>
-        </p:spPr>
-        <p:txBody>
-          <a:bodyPr vert="horz" lIns="91440" tIns="45720" rIns="91440" bIns="45720" rtlCol="0" anchor="ctr">
-            <a:normAutofit/>
-          </a:bodyPr>
-          <a:lstStyle>
-            <a:lvl1pPr algn="l" defTabSz="914400" rtl="0" eaLnBrk="1" latinLnBrk="0" hangingPunct="1">
-              <a:lnSpc>
-                <a:spcPct val="90000"/>
-              </a:lnSpc>
-              <a:spcBef>
-                <a:spcPct val="0"/>
-              </a:spcBef>
-              <a:buNone/>
-              <a:defRPr sz="4400" kern="1200">
-                <a:solidFill>
-                  <a:schemeClr val="tx1"/>
-                </a:solidFill>
-                <a:latin typeface="+mj-lt"/>
-                <a:ea typeface="+mj-ea"/>
-                <a:cs typeface="+mj-cs"/>
-              </a:defRPr>
-            </a:lvl1pPr>
-          </a:lstStyle>
-          <a:p>
-            <a:r>
-              <a:rPr lang="en-US" altLang="en-US" sz="1400"/>
-              <a:t>(Harmon, </a:t>
-            </a:r>
-            <a:r>
-              <a:rPr lang="en-US" altLang="en-US" sz="1400" i="1"/>
-              <a:t>Phylogenetic comparative methods</a:t>
-            </a:r>
-            <a:r>
-              <a:rPr lang="en-US" altLang="en-US" sz="1400"/>
-              <a:t>)</a:t>
-            </a:r>
-            <a:endParaRPr lang="en-US" altLang="en-US" sz="1400"/>
-          </a:p>
-        </p:txBody>
-      </p:sp>
-    </p:spTree>
-  </p:cSld>
-  <p:clrMapOvr>
-    <a:masterClrMapping/>
-  </p:clrMapOvr>
-</p:sld>
-</file>
-
-<file path=ppt/slides/slide20.xml><?xml version="1.0" encoding="utf-8"?>
-<p:sld xmlns:a="http://schemas.openxmlformats.org/drawingml/2006/main" xmlns:r="http://schemas.openxmlformats.org/officeDocument/2006/relationships" xmlns:p="http://schemas.openxmlformats.org/presentationml/2006/main">
-  <p:cSld>
-    <p:spTree>
-      <p:nvGrpSpPr>
-        <p:cNvPr id="1" name=""/>
-        <p:cNvGrpSpPr/>
-        <p:nvPr/>
-      </p:nvGrpSpPr>
-      <p:grpSpPr/>
-      <p:sp>
-        <p:nvSpPr>
-          <p:cNvPr id="2" name="Title 1"/>
-          <p:cNvSpPr>
-            <a:spLocks noGrp="1"/>
-          </p:cNvSpPr>
-          <p:nvPr>
-            <p:ph type="title"/>
-          </p:nvPr>
-        </p:nvSpPr>
-        <p:spPr/>
-        <p:txBody>
-          <a:bodyPr/>
-          <a:p>
-            <a:endParaRPr lang="en-US"/>
-          </a:p>
-        </p:txBody>
-      </p:sp>
-      <p:pic>
-        <p:nvPicPr>
-          <p:cNvPr id="4" name="Content Placeholder 3"/>
-          <p:cNvPicPr>
-            <a:picLocks noChangeAspect="1"/>
-          </p:cNvPicPr>
-          <p:nvPr>
-            <p:ph idx="1"/>
-          </p:nvPr>
-        </p:nvPicPr>
-        <p:blipFill>
-          <a:blip r:embed="rId1"/>
-          <a:stretch>
-            <a:fillRect/>
-          </a:stretch>
-        </p:blipFill>
-        <p:spPr>
-          <a:xfrm>
             <a:off x="58420" y="48260"/>
             <a:ext cx="8745220" cy="6762115"/>
-          </a:xfrm>
-          <a:prstGeom prst="rect">
-            <a:avLst/>
-          </a:prstGeom>
-        </p:spPr>
-      </p:pic>
-    </p:spTree>
-  </p:cSld>
-  <p:clrMapOvr>
-    <a:masterClrMapping/>
-  </p:clrMapOvr>
-</p:sld>
-</file>
-
-<file path=ppt/slides/slide21.xml><?xml version="1.0" encoding="utf-8"?>
-<p:sld xmlns:a="http://schemas.openxmlformats.org/drawingml/2006/main" xmlns:r="http://schemas.openxmlformats.org/officeDocument/2006/relationships" xmlns:p="http://schemas.openxmlformats.org/presentationml/2006/main">
-  <p:cSld>
-    <p:spTree>
-      <p:nvGrpSpPr>
-        <p:cNvPr id="1" name=""/>
-        <p:cNvGrpSpPr/>
-        <p:nvPr/>
-      </p:nvGrpSpPr>
-      <p:grpSpPr/>
-      <p:sp>
-        <p:nvSpPr>
-          <p:cNvPr id="2" name="Title 1"/>
-          <p:cNvSpPr>
-            <a:spLocks noGrp="1"/>
-          </p:cNvSpPr>
-          <p:nvPr>
-            <p:ph type="title"/>
-          </p:nvPr>
-        </p:nvSpPr>
-        <p:spPr/>
-        <p:txBody>
-          <a:bodyPr/>
-          <a:p>
-            <a:r>
-              <a:rPr lang="" altLang="en-US"/>
-              <a:t>Next time: Diversitree lab</a:t>
-            </a:r>
-            <a:endParaRPr lang="" altLang="en-US"/>
-          </a:p>
-        </p:txBody>
-      </p:sp>
-      <p:pic>
-        <p:nvPicPr>
-          <p:cNvPr id="4" name="Content Placeholder 3"/>
-          <p:cNvPicPr>
-            <a:picLocks noChangeAspect="1"/>
-          </p:cNvPicPr>
-          <p:nvPr>
-            <p:ph idx="1"/>
-          </p:nvPr>
-        </p:nvPicPr>
-        <p:blipFill>
-          <a:blip r:embed="rId1"/>
-          <a:stretch>
-            <a:fillRect/>
-          </a:stretch>
-        </p:blipFill>
-        <p:spPr>
-          <a:xfrm>
-            <a:off x="2170430" y="2889885"/>
-            <a:ext cx="5120640" cy="3584575"/>
           </a:xfrm>
           <a:prstGeom prst="rect">
             <a:avLst/>
@@ -4407,43 +5382,170 @@
             <p:ph type="title"/>
           </p:nvPr>
         </p:nvSpPr>
+        <p:spPr>
+          <a:xfrm>
+            <a:off x="800100" y="328295"/>
+            <a:ext cx="7886700" cy="1325563"/>
+          </a:xfrm>
+        </p:spPr>
+        <p:txBody>
+          <a:bodyPr/>
+          <a:p>
+            <a:r>
+              <a:rPr lang="en-US" altLang="en-US"/>
+              <a:t>Why care about diversification?</a:t>
+            </a:r>
+            <a:endParaRPr lang="en-US" altLang="en-US"/>
+          </a:p>
+        </p:txBody>
+      </p:sp>
+      <p:pic>
+        <p:nvPicPr>
+          <p:cNvPr id="4" name="Picture 3"/>
+          <p:cNvPicPr>
+            <a:picLocks noChangeAspect="1"/>
+          </p:cNvPicPr>
+          <p:nvPr/>
+        </p:nvPicPr>
+        <p:blipFill>
+          <a:blip r:embed="rId1"/>
+          <a:stretch>
+            <a:fillRect/>
+          </a:stretch>
+        </p:blipFill>
+        <p:spPr>
+          <a:xfrm>
+            <a:off x="928370" y="1532890"/>
+            <a:ext cx="7287895" cy="5127625"/>
+          </a:xfrm>
+          <a:prstGeom prst="rect">
+            <a:avLst/>
+          </a:prstGeom>
+        </p:spPr>
+      </p:pic>
+      <p:sp>
+        <p:nvSpPr>
+          <p:cNvPr id="5" name="Title 1"/>
+          <p:cNvSpPr>
+            <a:spLocks noGrp="1"/>
+          </p:cNvSpPr>
+          <p:nvPr/>
+        </p:nvSpPr>
+        <p:spPr>
+          <a:xfrm>
+            <a:off x="5290185" y="5961380"/>
+            <a:ext cx="7886700" cy="1325563"/>
+          </a:xfrm>
+          <a:prstGeom prst="rect">
+            <a:avLst/>
+          </a:prstGeom>
+        </p:spPr>
+        <p:txBody>
+          <a:bodyPr vert="horz" lIns="91440" tIns="45720" rIns="91440" bIns="45720" rtlCol="0" anchor="ctr">
+            <a:normAutofit/>
+          </a:bodyPr>
+          <a:lstStyle>
+            <a:lvl1pPr algn="l" defTabSz="914400" rtl="0" eaLnBrk="1" latinLnBrk="0" hangingPunct="1">
+              <a:lnSpc>
+                <a:spcPct val="90000"/>
+              </a:lnSpc>
+              <a:spcBef>
+                <a:spcPct val="0"/>
+              </a:spcBef>
+              <a:buNone/>
+              <a:defRPr sz="4400" kern="1200">
+                <a:solidFill>
+                  <a:schemeClr val="tx1"/>
+                </a:solidFill>
+                <a:latin typeface="+mj-lt"/>
+                <a:ea typeface="+mj-ea"/>
+                <a:cs typeface="+mj-cs"/>
+              </a:defRPr>
+            </a:lvl1pPr>
+          </a:lstStyle>
+          <a:p>
+            <a:r>
+              <a:rPr lang="en-US" altLang="en-US" sz="1400"/>
+              <a:t>(Harmon, </a:t>
+            </a:r>
+            <a:r>
+              <a:rPr lang="en-US" altLang="en-US" sz="1400" i="1"/>
+              <a:t>Phylogenetic comparative methods</a:t>
+            </a:r>
+            <a:r>
+              <a:rPr lang="en-US" altLang="en-US" sz="1400"/>
+              <a:t>)</a:t>
+            </a:r>
+            <a:endParaRPr lang="en-US" altLang="en-US" sz="1400"/>
+          </a:p>
+        </p:txBody>
+      </p:sp>
+    </p:spTree>
+  </p:cSld>
+  <p:clrMapOvr>
+    <a:masterClrMapping/>
+  </p:clrMapOvr>
+</p:sld>
+</file>
+
+<file path=ppt/slides/slide30.xml><?xml version="1.0" encoding="utf-8"?>
+<p:sld xmlns:a="http://schemas.openxmlformats.org/drawingml/2006/main" xmlns:r="http://schemas.openxmlformats.org/officeDocument/2006/relationships" xmlns:p="http://schemas.openxmlformats.org/presentationml/2006/main">
+  <p:cSld>
+    <p:spTree>
+      <p:nvGrpSpPr>
+        <p:cNvPr id="1" name=""/>
+        <p:cNvGrpSpPr/>
+        <p:nvPr/>
+      </p:nvGrpSpPr>
+      <p:grpSpPr/>
+      <p:sp>
+        <p:nvSpPr>
+          <p:cNvPr id="2" name="Title 1"/>
+          <p:cNvSpPr>
+            <a:spLocks noGrp="1"/>
+          </p:cNvSpPr>
+          <p:nvPr>
+            <p:ph type="title"/>
+          </p:nvPr>
+        </p:nvSpPr>
         <p:spPr/>
         <p:txBody>
           <a:bodyPr/>
           <a:p>
             <a:r>
-              <a:rPr lang="" altLang="en-US"/>
-              <a:t>Birth-Death model</a:t>
-            </a:r>
-            <a:endParaRPr lang="" altLang="en-US"/>
-          </a:p>
-        </p:txBody>
-      </p:sp>
-      <p:sp>
-        <p:nvSpPr>
-          <p:cNvPr id="3" name="Content Placeholder 2"/>
-          <p:cNvSpPr>
-            <a:spLocks noGrp="1"/>
-          </p:cNvSpPr>
+              <a:rPr lang="en-US" altLang="en-US"/>
+              <a:t>Next time: Diversitree lab</a:t>
+            </a:r>
+            <a:endParaRPr lang="en-US" altLang="en-US"/>
+          </a:p>
+        </p:txBody>
+      </p:sp>
+      <p:pic>
+        <p:nvPicPr>
+          <p:cNvPr id="4" name="Content Placeholder 3"/>
+          <p:cNvPicPr>
+            <a:picLocks noChangeAspect="1"/>
+          </p:cNvPicPr>
           <p:nvPr>
             <p:ph idx="1"/>
           </p:nvPr>
-        </p:nvSpPr>
-        <p:spPr/>
-        <p:txBody>
-          <a:bodyPr/>
-          <a:p>
-            <a:pPr marL="0" indent="0">
-              <a:buNone/>
-            </a:pPr>
-            <a:r>
-              <a:rPr lang="" altLang="en-US"/>
-              <a:t>Poisson process (like CTMC models) - but events = Speciation/Extinction rather than substitution</a:t>
-            </a:r>
-            <a:endParaRPr lang="" altLang="en-US"/>
-          </a:p>
-        </p:txBody>
-      </p:sp>
+        </p:nvPicPr>
+        <p:blipFill>
+          <a:blip r:embed="rId1"/>
+          <a:stretch>
+            <a:fillRect/>
+          </a:stretch>
+        </p:blipFill>
+        <p:spPr>
+          <a:xfrm>
+            <a:off x="2170430" y="2889885"/>
+            <a:ext cx="5120640" cy="3584575"/>
+          </a:xfrm>
+          <a:prstGeom prst="rect">
+            <a:avLst/>
+          </a:prstGeom>
+        </p:spPr>
+      </p:pic>
     </p:spTree>
   </p:cSld>
   <p:clrMapOvr>
@@ -4472,57 +5574,43 @@
             <p:ph type="title"/>
           </p:nvPr>
         </p:nvSpPr>
-        <p:spPr>
-          <a:xfrm>
-            <a:off x="5290185" y="5961380"/>
-            <a:ext cx="7886700" cy="1325563"/>
-          </a:xfrm>
-        </p:spPr>
-        <p:txBody>
-          <a:bodyPr/>
-          <a:p>
-            <a:r>
-              <a:rPr lang="" altLang="en-US" sz="1400"/>
-              <a:t>(Harmon, </a:t>
-            </a:r>
-            <a:r>
-              <a:rPr lang="" altLang="en-US" sz="1400" i="1"/>
-              <a:t>Phylogenetic comparative methods</a:t>
-            </a:r>
-            <a:r>
-              <a:rPr lang="" altLang="en-US" sz="1400"/>
-              <a:t>)</a:t>
-            </a:r>
-            <a:endParaRPr lang="" altLang="en-US" sz="1400"/>
-          </a:p>
-        </p:txBody>
-      </p:sp>
-      <p:pic>
-        <p:nvPicPr>
-          <p:cNvPr id="4" name="Content Placeholder 3"/>
-          <p:cNvPicPr>
-            <a:picLocks noChangeAspect="1"/>
-          </p:cNvPicPr>
+        <p:spPr/>
+        <p:txBody>
+          <a:bodyPr/>
+          <a:p>
+            <a:r>
+              <a:rPr lang="en-US" altLang="en-US"/>
+              <a:t>Birth-Death model</a:t>
+            </a:r>
+            <a:endParaRPr lang="en-US" altLang="en-US"/>
+          </a:p>
+        </p:txBody>
+      </p:sp>
+      <p:sp>
+        <p:nvSpPr>
+          <p:cNvPr id="3" name="Content Placeholder 2"/>
+          <p:cNvSpPr>
+            <a:spLocks noGrp="1"/>
+          </p:cNvSpPr>
           <p:nvPr>
             <p:ph idx="1"/>
           </p:nvPr>
-        </p:nvPicPr>
-        <p:blipFill>
-          <a:blip r:embed="rId1"/>
-          <a:stretch>
-            <a:fillRect/>
-          </a:stretch>
-        </p:blipFill>
-        <p:spPr>
-          <a:xfrm>
-            <a:off x="532765" y="-53975"/>
-            <a:ext cx="7829550" cy="6543675"/>
-          </a:xfrm>
-          <a:prstGeom prst="rect">
-            <a:avLst/>
-          </a:prstGeom>
-        </p:spPr>
-      </p:pic>
+        </p:nvSpPr>
+        <p:spPr/>
+        <p:txBody>
+          <a:bodyPr/>
+          <a:p>
+            <a:pPr marL="0" indent="0">
+              <a:buNone/>
+            </a:pPr>
+            <a:r>
+              <a:rPr lang="en-US" altLang="en-US"/>
+              <a:t>Poisson process (like CTMC models) - but events = Speciation/Extinction rather than substitution</a:t>
+            </a:r>
+            <a:endParaRPr lang="en-US" altLang="en-US"/>
+          </a:p>
+        </p:txBody>
+      </p:sp>
     </p:spTree>
   </p:cSld>
   <p:clrMapOvr>
@@ -4551,11 +5639,28 @@
             <p:ph type="title"/>
           </p:nvPr>
         </p:nvSpPr>
-        <p:spPr/>
-        <p:txBody>
-          <a:bodyPr/>
-          <a:p>
-            <a:endParaRPr lang="en-US"/>
+        <p:spPr>
+          <a:xfrm>
+            <a:off x="5290185" y="5961380"/>
+            <a:ext cx="7886700" cy="1325563"/>
+          </a:xfrm>
+        </p:spPr>
+        <p:txBody>
+          <a:bodyPr/>
+          <a:p>
+            <a:r>
+              <a:rPr lang="en-US" altLang="en-US" sz="1400"/>
+              <a:t>(Harmon, </a:t>
+            </a:r>
+            <a:r>
+              <a:rPr lang="en-US" altLang="en-US" sz="1400" i="1"/>
+              <a:t>Phylogenetic comparative methods</a:t>
+            </a:r>
+            <a:r>
+              <a:rPr lang="en-US" altLang="en-US" sz="1400"/>
+              <a:t>)</a:t>
+            </a:r>
+            <a:endParaRPr lang="en-US" altLang="en-US" sz="1400"/>
           </a:p>
         </p:txBody>
       </p:sp>
@@ -4577,80 +5682,8 @@
         </p:blipFill>
         <p:spPr>
           <a:xfrm>
-            <a:off x="4728845" y="9525"/>
-            <a:ext cx="4286250" cy="6686550"/>
-          </a:xfrm>
-          <a:prstGeom prst="rect">
-            <a:avLst/>
-          </a:prstGeom>
-        </p:spPr>
-      </p:pic>
-      <p:pic>
-        <p:nvPicPr>
-          <p:cNvPr id="5" name="Content Placeholder 3"/>
-          <p:cNvPicPr>
-            <a:picLocks noChangeAspect="1"/>
-          </p:cNvPicPr>
-          <p:nvPr/>
-        </p:nvPicPr>
-        <p:blipFill>
-          <a:blip r:embed="rId2"/>
-          <a:stretch>
-            <a:fillRect/>
-          </a:stretch>
-        </p:blipFill>
-        <p:spPr>
-          <a:xfrm>
-            <a:off x="614045" y="102870"/>
-            <a:ext cx="3902075" cy="3702050"/>
-          </a:xfrm>
-          <a:prstGeom prst="rect">
-            <a:avLst/>
-          </a:prstGeom>
-        </p:spPr>
-      </p:pic>
-      <p:pic>
-        <p:nvPicPr>
-          <p:cNvPr id="6" name="Picture 5"/>
-          <p:cNvPicPr>
-            <a:picLocks noChangeAspect="1"/>
-          </p:cNvPicPr>
-          <p:nvPr/>
-        </p:nvPicPr>
-        <p:blipFill>
-          <a:blip r:embed="rId3"/>
-          <a:stretch>
-            <a:fillRect/>
-          </a:stretch>
-        </p:blipFill>
-        <p:spPr>
-          <a:xfrm>
-            <a:off x="1016635" y="3721100"/>
-            <a:ext cx="3499485" cy="3098165"/>
-          </a:xfrm>
-          <a:prstGeom prst="rect">
-            <a:avLst/>
-          </a:prstGeom>
-        </p:spPr>
-      </p:pic>
-      <p:pic>
-        <p:nvPicPr>
-          <p:cNvPr id="7" name="Picture 6"/>
-          <p:cNvPicPr>
-            <a:picLocks noChangeAspect="1"/>
-          </p:cNvPicPr>
-          <p:nvPr/>
-        </p:nvPicPr>
-        <p:blipFill>
-          <a:blip r:embed="rId4"/>
-          <a:stretch>
-            <a:fillRect/>
-          </a:stretch>
-        </p:blipFill>
-        <p:spPr>
-          <a:xfrm>
-            <a:off x="1684020" y="3940810"/>
-            <a:ext cx="2463800" cy="417830"/>
+            <a:off x="532765" y="-53975"/>
+            <a:ext cx="7829550" cy="6543675"/>
           </a:xfrm>
           <a:prstGeom prst="rect">
             <a:avLst/>
@@ -4685,250 +5718,23 @@
             <p:ph type="title"/>
           </p:nvPr>
         </p:nvSpPr>
-        <p:spPr>
-          <a:xfrm>
-            <a:off x="314325" y="-74930"/>
-            <a:ext cx="7886700" cy="1325563"/>
-          </a:xfrm>
-        </p:spPr>
-        <p:txBody>
-          <a:bodyPr/>
-          <a:p>
-            <a:r>
-              <a:rPr lang="" altLang="en-US"/>
-              <a:t>Diversification vs. Turnover</a:t>
-            </a:r>
-            <a:endParaRPr lang="" altLang="en-US"/>
-          </a:p>
-        </p:txBody>
-      </p:sp>
-      <p:sp>
-        <p:nvSpPr>
-          <p:cNvPr id="3" name="Content Placeholder 2"/>
-          <p:cNvSpPr>
-            <a:spLocks noGrp="1"/>
-          </p:cNvSpPr>
-          <p:nvPr>
-            <p:ph idx="1"/>
-          </p:nvPr>
-        </p:nvSpPr>
-        <p:spPr>
-          <a:xfrm>
-            <a:off x="567690" y="915035"/>
-            <a:ext cx="7886700" cy="4351338"/>
-          </a:xfrm>
-        </p:spPr>
-        <p:txBody>
-          <a:bodyPr/>
-          <a:p>
-            <a:pPr marL="0" indent="0">
-              <a:buNone/>
-            </a:pPr>
-            <a:r>
-              <a:rPr lang="en-US">
-                <a:latin typeface="Arial" panose="020B0604020202020204" pitchFamily="34" charset="0"/>
-                <a:cs typeface="Arial" panose="020B0604020202020204" pitchFamily="34" charset="0"/>
-              </a:rPr>
-              <a:t>λ </a:t>
-            </a:r>
-            <a:r>
-              <a:rPr lang="" altLang="en-US">
-                <a:latin typeface="Arial" panose="020B0604020202020204" pitchFamily="34" charset="0"/>
-                <a:cs typeface="Arial" panose="020B0604020202020204" pitchFamily="34" charset="0"/>
-              </a:rPr>
-              <a:t>=</a:t>
-            </a:r>
-            <a:r>
-              <a:rPr lang="" altLang="en-US">
-                <a:latin typeface="Arial" panose="020B0604020202020204" pitchFamily="34" charset="0"/>
-                <a:cs typeface="Arial" panose="020B0604020202020204" pitchFamily="34" charset="0"/>
-              </a:rPr>
-              <a:t>Speciation rate</a:t>
-            </a:r>
-            <a:endParaRPr lang="" altLang="en-US">
-              <a:latin typeface="Arial" panose="020B0604020202020204" pitchFamily="34" charset="0"/>
-              <a:cs typeface="Arial" panose="020B0604020202020204" pitchFamily="34" charset="0"/>
-            </a:endParaRPr>
-          </a:p>
-          <a:p>
-            <a:pPr marL="0" indent="0">
-              <a:buNone/>
-            </a:pPr>
-            <a:r>
-              <a:rPr lang="" altLang="en-US">
-                <a:latin typeface="Arial" panose="020B0604020202020204" pitchFamily="34" charset="0"/>
-                <a:cs typeface="Arial" panose="020B0604020202020204" pitchFamily="34" charset="0"/>
-              </a:rPr>
-              <a:t>μ = Extinction rate</a:t>
-            </a:r>
-            <a:endParaRPr lang="" altLang="en-US">
-              <a:latin typeface="Arial" panose="020B0604020202020204" pitchFamily="34" charset="0"/>
-              <a:cs typeface="Arial" panose="020B0604020202020204" pitchFamily="34" charset="0"/>
-            </a:endParaRPr>
-          </a:p>
-          <a:p>
-            <a:pPr marL="0" indent="0">
-              <a:buNone/>
-            </a:pPr>
-            <a:r>
-              <a:rPr lang="en-US">
-                <a:latin typeface="Arial" panose="020B0604020202020204" pitchFamily="34" charset="0"/>
-                <a:cs typeface="Arial" panose="020B0604020202020204" pitchFamily="34" charset="0"/>
-                <a:sym typeface="+mn-ea"/>
-              </a:rPr>
-              <a:t>λ </a:t>
-            </a:r>
-            <a:r>
-              <a:rPr lang="" altLang="en-US">
-                <a:latin typeface="Arial" panose="020B0604020202020204" pitchFamily="34" charset="0"/>
-                <a:cs typeface="Arial" panose="020B0604020202020204" pitchFamily="34" charset="0"/>
-                <a:sym typeface="+mn-ea"/>
-              </a:rPr>
-              <a:t>- </a:t>
-            </a:r>
-            <a:r>
-              <a:rPr lang="en-US" altLang="en-US">
-                <a:latin typeface="Arial" panose="020B0604020202020204" pitchFamily="34" charset="0"/>
-                <a:cs typeface="Arial" panose="020B0604020202020204" pitchFamily="34" charset="0"/>
-                <a:sym typeface="+mn-ea"/>
-              </a:rPr>
-              <a:t>μ </a:t>
-            </a:r>
-            <a:r>
-              <a:rPr lang="" altLang="en-US">
-                <a:latin typeface="Arial" panose="020B0604020202020204" pitchFamily="34" charset="0"/>
-                <a:cs typeface="Arial" panose="020B0604020202020204" pitchFamily="34" charset="0"/>
-                <a:sym typeface="+mn-ea"/>
-              </a:rPr>
-              <a:t>= Diversification rate</a:t>
-            </a:r>
-            <a:endParaRPr lang="" altLang="en-US">
-              <a:latin typeface="Arial" panose="020B0604020202020204" pitchFamily="34" charset="0"/>
-              <a:cs typeface="Arial" panose="020B0604020202020204" pitchFamily="34" charset="0"/>
-              <a:sym typeface="+mn-ea"/>
-            </a:endParaRPr>
-          </a:p>
-          <a:p>
-            <a:pPr marL="0" indent="0">
-              <a:buNone/>
-            </a:pPr>
-            <a:r>
-              <a:rPr lang="en-US" altLang="en-US">
-                <a:latin typeface="Arial" panose="020B0604020202020204" pitchFamily="34" charset="0"/>
-                <a:cs typeface="Arial" panose="020B0604020202020204" pitchFamily="34" charset="0"/>
-                <a:sym typeface="+mn-ea"/>
-              </a:rPr>
-              <a:t>μ</a:t>
-            </a:r>
-            <a:r>
-              <a:rPr lang="" altLang="en-US">
-                <a:latin typeface="Arial" panose="020B0604020202020204" pitchFamily="34" charset="0"/>
-                <a:cs typeface="Arial" panose="020B0604020202020204" pitchFamily="34" charset="0"/>
-                <a:sym typeface="+mn-ea"/>
-              </a:rPr>
-              <a:t>/</a:t>
-            </a:r>
-            <a:r>
-              <a:rPr lang="en-US">
-                <a:latin typeface="Arial" panose="020B0604020202020204" pitchFamily="34" charset="0"/>
-                <a:cs typeface="Arial" panose="020B0604020202020204" pitchFamily="34" charset="0"/>
-                <a:sym typeface="+mn-ea"/>
-              </a:rPr>
-              <a:t>λ</a:t>
-            </a:r>
-            <a:r>
-              <a:rPr lang="en-US" altLang="en-US">
-                <a:latin typeface="Arial" panose="020B0604020202020204" pitchFamily="34" charset="0"/>
-                <a:cs typeface="Arial" panose="020B0604020202020204" pitchFamily="34" charset="0"/>
-                <a:sym typeface="+mn-ea"/>
-              </a:rPr>
-              <a:t> = </a:t>
-            </a:r>
-            <a:r>
-              <a:rPr lang="" altLang="en-US">
-                <a:latin typeface="Arial" panose="020B0604020202020204" pitchFamily="34" charset="0"/>
-                <a:cs typeface="Arial" panose="020B0604020202020204" pitchFamily="34" charset="0"/>
-                <a:sym typeface="+mn-ea"/>
-              </a:rPr>
-              <a:t>Turnover</a:t>
-            </a:r>
-            <a:r>
-              <a:rPr lang="en-US" altLang="en-US">
-                <a:latin typeface="Arial" panose="020B0604020202020204" pitchFamily="34" charset="0"/>
-                <a:cs typeface="Arial" panose="020B0604020202020204" pitchFamily="34" charset="0"/>
-                <a:sym typeface="+mn-ea"/>
-              </a:rPr>
-              <a:t> rate</a:t>
-            </a:r>
-            <a:endParaRPr lang="en-US" altLang="en-US">
-              <a:latin typeface="Arial" panose="020B0604020202020204" pitchFamily="34" charset="0"/>
-              <a:cs typeface="Arial" panose="020B0604020202020204" pitchFamily="34" charset="0"/>
-              <a:sym typeface="+mn-ea"/>
-            </a:endParaRPr>
-          </a:p>
-          <a:p>
-            <a:pPr marL="0" indent="0">
-              <a:buNone/>
-            </a:pPr>
-            <a:endParaRPr lang="en-US" altLang="en-US">
-              <a:latin typeface="Arial" panose="020B0604020202020204" pitchFamily="34" charset="0"/>
-              <a:cs typeface="Arial" panose="020B0604020202020204" pitchFamily="34" charset="0"/>
-              <a:sym typeface="+mn-ea"/>
-            </a:endParaRPr>
-          </a:p>
-          <a:p>
-            <a:pPr marL="0" indent="0">
-              <a:buNone/>
-            </a:pPr>
-            <a:r>
-              <a:rPr lang="" altLang="en-US">
-                <a:latin typeface="Arial" panose="020B0604020202020204" pitchFamily="34" charset="0"/>
-                <a:cs typeface="Arial" panose="020B0604020202020204" pitchFamily="34" charset="0"/>
-                <a:sym typeface="+mn-ea"/>
-              </a:rPr>
-              <a:t>Yule process/Pure Birth model -&gt; </a:t>
-            </a:r>
-            <a:r>
-              <a:rPr lang="en-US" altLang="en-US">
-                <a:latin typeface="Arial" panose="020B0604020202020204" pitchFamily="34" charset="0"/>
-                <a:cs typeface="Arial" panose="020B0604020202020204" pitchFamily="34" charset="0"/>
-                <a:sym typeface="+mn-ea"/>
-              </a:rPr>
-              <a:t>μ </a:t>
-            </a:r>
-            <a:r>
-              <a:rPr lang="" altLang="en-US">
-                <a:latin typeface="Arial" panose="020B0604020202020204" pitchFamily="34" charset="0"/>
-                <a:cs typeface="Arial" panose="020B0604020202020204" pitchFamily="34" charset="0"/>
-                <a:sym typeface="+mn-ea"/>
-              </a:rPr>
-              <a:t>= 0</a:t>
-            </a:r>
-            <a:endParaRPr lang="en-US" altLang="en-US">
-              <a:latin typeface="Arial" panose="020B0604020202020204" pitchFamily="34" charset="0"/>
-              <a:cs typeface="Arial" panose="020B0604020202020204" pitchFamily="34" charset="0"/>
-              <a:sym typeface="+mn-ea"/>
-            </a:endParaRPr>
-          </a:p>
-          <a:p>
-            <a:pPr marL="0" indent="0">
-              <a:buNone/>
-            </a:pPr>
-            <a:endParaRPr lang="" altLang="en-US">
-              <a:latin typeface="Arial" panose="020B0604020202020204" pitchFamily="34" charset="0"/>
-              <a:cs typeface="Arial" panose="020B0604020202020204" pitchFamily="34" charset="0"/>
-              <a:sym typeface="+mn-ea"/>
-            </a:endParaRPr>
+        <p:spPr/>
+        <p:txBody>
+          <a:bodyPr/>
+          <a:p>
+            <a:endParaRPr lang="en-US"/>
           </a:p>
         </p:txBody>
       </p:sp>
       <p:pic>
         <p:nvPicPr>
-          <p:cNvPr id="4" name="Picture 3"/>
+          <p:cNvPr id="4" name="Content Placeholder 3"/>
           <p:cNvPicPr>
             <a:picLocks noChangeAspect="1"/>
           </p:cNvPicPr>
-          <p:nvPr/>
+          <p:nvPr>
+            <p:ph idx="1"/>
+          </p:nvPr>
         </p:nvPicPr>
         <p:blipFill>
           <a:blip r:embed="rId1"/>
@@ -4938,57 +5744,86 @@
         </p:blipFill>
         <p:spPr>
           <a:xfrm>
-            <a:off x="567690" y="4123690"/>
-            <a:ext cx="5520055" cy="2600325"/>
+            <a:off x="4728845" y="9525"/>
+            <a:ext cx="4286250" cy="6686550"/>
           </a:xfrm>
           <a:prstGeom prst="rect">
             <a:avLst/>
           </a:prstGeom>
         </p:spPr>
       </p:pic>
-      <p:sp>
-        <p:nvSpPr>
-          <p:cNvPr id="5" name="Text Box 4"/>
-          <p:cNvSpPr txBox="1"/>
+      <p:pic>
+        <p:nvPicPr>
+          <p:cNvPr id="5" name="Content Placeholder 3"/>
+          <p:cNvPicPr>
+            <a:picLocks noChangeAspect="1"/>
+          </p:cNvPicPr>
           <p:nvPr/>
-        </p:nvSpPr>
-        <p:spPr>
-          <a:xfrm>
-            <a:off x="6151880" y="4625975"/>
-            <a:ext cx="2252980" cy="922020"/>
+        </p:nvPicPr>
+        <p:blipFill>
+          <a:blip r:embed="rId2"/>
+          <a:stretch>
+            <a:fillRect/>
+          </a:stretch>
+        </p:blipFill>
+        <p:spPr>
+          <a:xfrm>
+            <a:off x="614045" y="102870"/>
+            <a:ext cx="3902075" cy="3702050"/>
           </a:xfrm>
           <a:prstGeom prst="rect">
             <a:avLst/>
           </a:prstGeom>
-          <a:noFill/>
-        </p:spPr>
-        <p:txBody>
-          <a:bodyPr wrap="none" rtlCol="0">
-            <a:spAutoFit/>
-          </a:bodyPr>
-          <a:p>
-            <a:r>
-              <a:rPr lang="" altLang="en-US"/>
-              <a:t>Under pure birth, </a:t>
-            </a:r>
-            <a:endParaRPr lang="" altLang="en-US"/>
-          </a:p>
-          <a:p>
-            <a:r>
-              <a:rPr lang="" altLang="en-US"/>
-              <a:t>lineages accrue</a:t>
-            </a:r>
-            <a:endParaRPr lang="" altLang="en-US"/>
-          </a:p>
-          <a:p>
-            <a:r>
-              <a:rPr lang="" altLang="en-US"/>
-              <a:t>log-linearly with time</a:t>
-            </a:r>
-            <a:endParaRPr lang="" altLang="en-US"/>
-          </a:p>
-        </p:txBody>
-      </p:sp>
+        </p:spPr>
+      </p:pic>
+      <p:pic>
+        <p:nvPicPr>
+          <p:cNvPr id="6" name="Picture 5"/>
+          <p:cNvPicPr>
+            <a:picLocks noChangeAspect="1"/>
+          </p:cNvPicPr>
+          <p:nvPr/>
+        </p:nvPicPr>
+        <p:blipFill>
+          <a:blip r:embed="rId3"/>
+          <a:stretch>
+            <a:fillRect/>
+          </a:stretch>
+        </p:blipFill>
+        <p:spPr>
+          <a:xfrm>
+            <a:off x="1016635" y="3721100"/>
+            <a:ext cx="3499485" cy="3098165"/>
+          </a:xfrm>
+          <a:prstGeom prst="rect">
+            <a:avLst/>
+          </a:prstGeom>
+        </p:spPr>
+      </p:pic>
+      <p:pic>
+        <p:nvPicPr>
+          <p:cNvPr id="7" name="Picture 6"/>
+          <p:cNvPicPr>
+            <a:picLocks noChangeAspect="1"/>
+          </p:cNvPicPr>
+          <p:nvPr/>
+        </p:nvPicPr>
+        <p:blipFill>
+          <a:blip r:embed="rId4"/>
+          <a:stretch>
+            <a:fillRect/>
+          </a:stretch>
+        </p:blipFill>
+        <p:spPr>
+          <a:xfrm>
+            <a:off x="1684020" y="3940810"/>
+            <a:ext cx="2463800" cy="417830"/>
+          </a:xfrm>
+          <a:prstGeom prst="rect">
+            <a:avLst/>
+          </a:prstGeom>
+        </p:spPr>
+      </p:pic>
     </p:spTree>
   </p:cSld>
   <p:clrMapOvr>
@@ -5017,15 +5852,20 @@
             <p:ph type="title"/>
           </p:nvPr>
         </p:nvSpPr>
-        <p:spPr/>
-        <p:txBody>
-          <a:bodyPr/>
-          <a:p>
-            <a:r>
-              <a:rPr lang="" altLang="en-US"/>
-              <a:t>A few notes...</a:t>
-            </a:r>
-            <a:endParaRPr lang="" altLang="en-US"/>
+        <p:spPr>
+          <a:xfrm>
+            <a:off x="314325" y="-74930"/>
+            <a:ext cx="7886700" cy="1325563"/>
+          </a:xfrm>
+        </p:spPr>
+        <p:txBody>
+          <a:bodyPr/>
+          <a:p>
+            <a:r>
+              <a:rPr lang="en-US" altLang="en-US"/>
+              <a:t>Diversification vs. Turnover</a:t>
+            </a:r>
+            <a:endParaRPr lang="en-US" altLang="en-US"/>
           </a:p>
         </p:txBody>
       </p:sp>
@@ -5039,50 +5879,217 @@
             <p:ph idx="1"/>
           </p:nvPr>
         </p:nvSpPr>
-        <p:spPr/>
-        <p:txBody>
-          <a:bodyPr/>
-          <a:p>
-            <a:pPr marL="0" indent="0">
-              <a:buNone/>
-            </a:pPr>
-            <a:r>
-              <a:rPr lang="" altLang="en-US"/>
-              <a:t>Speciation and extinction correlated in nature, and in estimation</a:t>
-            </a:r>
-            <a:endParaRPr lang="" altLang="en-US"/>
-          </a:p>
-          <a:p>
-            <a:pPr marL="0" indent="0">
-              <a:buNone/>
-            </a:pPr>
-            <a:endParaRPr lang="" altLang="en-US"/>
-          </a:p>
-          <a:p>
-            <a:pPr marL="0" indent="0">
-              <a:buNone/>
-            </a:pPr>
-            <a:r>
-              <a:rPr lang="" altLang="en-US"/>
-              <a:t>Estimating diversification and turnover often easier</a:t>
-            </a:r>
-            <a:endParaRPr lang="" altLang="en-US"/>
-          </a:p>
-          <a:p>
-            <a:pPr marL="0" indent="0">
-              <a:buNone/>
-            </a:pPr>
-            <a:endParaRPr lang="" altLang="en-US"/>
-          </a:p>
-          <a:p>
-            <a:pPr marL="0" indent="0">
-              <a:buNone/>
-            </a:pPr>
-            <a:r>
-              <a:rPr lang="" altLang="en-US"/>
-              <a:t>Can we even estimate extinction from extant-only data? </a:t>
-            </a:r>
-            <a:endParaRPr lang="" altLang="en-US"/>
+        <p:spPr>
+          <a:xfrm>
+            <a:off x="567690" y="915035"/>
+            <a:ext cx="7886700" cy="4351338"/>
+          </a:xfrm>
+        </p:spPr>
+        <p:txBody>
+          <a:bodyPr/>
+          <a:p>
+            <a:pPr marL="0" indent="0">
+              <a:buNone/>
+            </a:pPr>
+            <a:r>
+              <a:rPr lang="en-US">
+                <a:latin typeface="Arial" panose="020B0604020202020204" pitchFamily="34" charset="0"/>
+                <a:cs typeface="Arial" panose="020B0604020202020204" pitchFamily="34" charset="0"/>
+              </a:rPr>
+              <a:t>λ </a:t>
+            </a:r>
+            <a:r>
+              <a:rPr lang="en-US" altLang="en-US">
+                <a:latin typeface="Arial" panose="020B0604020202020204" pitchFamily="34" charset="0"/>
+                <a:cs typeface="Arial" panose="020B0604020202020204" pitchFamily="34" charset="0"/>
+              </a:rPr>
+              <a:t>=Speciation rate</a:t>
+            </a:r>
+            <a:endParaRPr lang="en-US" altLang="en-US">
+              <a:latin typeface="Arial" panose="020B0604020202020204" pitchFamily="34" charset="0"/>
+              <a:cs typeface="Arial" panose="020B0604020202020204" pitchFamily="34" charset="0"/>
+            </a:endParaRPr>
+          </a:p>
+          <a:p>
+            <a:pPr marL="0" indent="0">
+              <a:buNone/>
+            </a:pPr>
+            <a:r>
+              <a:rPr lang="en-US" altLang="en-US">
+                <a:latin typeface="Arial" panose="020B0604020202020204" pitchFamily="34" charset="0"/>
+                <a:cs typeface="Arial" panose="020B0604020202020204" pitchFamily="34" charset="0"/>
+              </a:rPr>
+              <a:t>μ = Extinction rate</a:t>
+            </a:r>
+            <a:endParaRPr lang="en-US" altLang="en-US">
+              <a:latin typeface="Arial" panose="020B0604020202020204" pitchFamily="34" charset="0"/>
+              <a:cs typeface="Arial" panose="020B0604020202020204" pitchFamily="34" charset="0"/>
+            </a:endParaRPr>
+          </a:p>
+          <a:p>
+            <a:pPr marL="0" indent="0">
+              <a:buNone/>
+            </a:pPr>
+            <a:r>
+              <a:rPr lang="en-US">
+                <a:latin typeface="Arial" panose="020B0604020202020204" pitchFamily="34" charset="0"/>
+                <a:cs typeface="Arial" panose="020B0604020202020204" pitchFamily="34" charset="0"/>
+                <a:sym typeface="+mn-ea"/>
+              </a:rPr>
+              <a:t>λ </a:t>
+            </a:r>
+            <a:r>
+              <a:rPr lang="en-US" altLang="en-US">
+                <a:latin typeface="Arial" panose="020B0604020202020204" pitchFamily="34" charset="0"/>
+                <a:cs typeface="Arial" panose="020B0604020202020204" pitchFamily="34" charset="0"/>
+                <a:sym typeface="+mn-ea"/>
+              </a:rPr>
+              <a:t>- μ = Diversification rate</a:t>
+            </a:r>
+            <a:endParaRPr lang="en-US" altLang="en-US">
+              <a:latin typeface="Arial" panose="020B0604020202020204" pitchFamily="34" charset="0"/>
+              <a:cs typeface="Arial" panose="020B0604020202020204" pitchFamily="34" charset="0"/>
+              <a:sym typeface="+mn-ea"/>
+            </a:endParaRPr>
+          </a:p>
+          <a:p>
+            <a:pPr marL="0" indent="0">
+              <a:buNone/>
+            </a:pPr>
+            <a:r>
+              <a:rPr lang="en-US" altLang="en-US">
+                <a:latin typeface="Arial" panose="020B0604020202020204" pitchFamily="34" charset="0"/>
+                <a:cs typeface="Arial" panose="020B0604020202020204" pitchFamily="34" charset="0"/>
+                <a:sym typeface="+mn-ea"/>
+              </a:rPr>
+              <a:t>μ/</a:t>
+            </a:r>
+            <a:r>
+              <a:rPr lang="en-US">
+                <a:latin typeface="Arial" panose="020B0604020202020204" pitchFamily="34" charset="0"/>
+                <a:cs typeface="Arial" panose="020B0604020202020204" pitchFamily="34" charset="0"/>
+                <a:sym typeface="+mn-ea"/>
+              </a:rPr>
+              <a:t>λ</a:t>
+            </a:r>
+            <a:r>
+              <a:rPr lang="en-US" altLang="en-US">
+                <a:latin typeface="Arial" panose="020B0604020202020204" pitchFamily="34" charset="0"/>
+                <a:cs typeface="Arial" panose="020B0604020202020204" pitchFamily="34" charset="0"/>
+                <a:sym typeface="+mn-ea"/>
+              </a:rPr>
+              <a:t> = Turnover rate</a:t>
+            </a:r>
+            <a:endParaRPr lang="en-US" altLang="en-US">
+              <a:latin typeface="Arial" panose="020B0604020202020204" pitchFamily="34" charset="0"/>
+              <a:cs typeface="Arial" panose="020B0604020202020204" pitchFamily="34" charset="0"/>
+              <a:sym typeface="+mn-ea"/>
+            </a:endParaRPr>
+          </a:p>
+          <a:p>
+            <a:pPr marL="0" indent="0">
+              <a:buNone/>
+            </a:pPr>
+            <a:endParaRPr lang="en-US" altLang="en-US">
+              <a:latin typeface="Arial" panose="020B0604020202020204" pitchFamily="34" charset="0"/>
+              <a:cs typeface="Arial" panose="020B0604020202020204" pitchFamily="34" charset="0"/>
+              <a:sym typeface="+mn-ea"/>
+            </a:endParaRPr>
+          </a:p>
+          <a:p>
+            <a:pPr marL="0" indent="0">
+              <a:buNone/>
+            </a:pPr>
+            <a:r>
+              <a:rPr lang="en-US" altLang="en-US">
+                <a:latin typeface="Arial" panose="020B0604020202020204" pitchFamily="34" charset="0"/>
+                <a:cs typeface="Arial" panose="020B0604020202020204" pitchFamily="34" charset="0"/>
+                <a:sym typeface="+mn-ea"/>
+              </a:rPr>
+              <a:t>Yule process/Pure Birth model -&gt; μ = 0</a:t>
+            </a:r>
+            <a:endParaRPr lang="en-US" altLang="en-US">
+              <a:latin typeface="Arial" panose="020B0604020202020204" pitchFamily="34" charset="0"/>
+              <a:cs typeface="Arial" panose="020B0604020202020204" pitchFamily="34" charset="0"/>
+              <a:sym typeface="+mn-ea"/>
+            </a:endParaRPr>
+          </a:p>
+          <a:p>
+            <a:pPr marL="0" indent="0">
+              <a:buNone/>
+            </a:pPr>
+            <a:endParaRPr lang="en-US" altLang="en-US">
+              <a:latin typeface="Arial" panose="020B0604020202020204" pitchFamily="34" charset="0"/>
+              <a:cs typeface="Arial" panose="020B0604020202020204" pitchFamily="34" charset="0"/>
+              <a:sym typeface="+mn-ea"/>
+            </a:endParaRPr>
+          </a:p>
+        </p:txBody>
+      </p:sp>
+      <p:pic>
+        <p:nvPicPr>
+          <p:cNvPr id="4" name="Picture 3"/>
+          <p:cNvPicPr>
+            <a:picLocks noChangeAspect="1"/>
+          </p:cNvPicPr>
+          <p:nvPr/>
+        </p:nvPicPr>
+        <p:blipFill>
+          <a:blip r:embed="rId1"/>
+          <a:stretch>
+            <a:fillRect/>
+          </a:stretch>
+        </p:blipFill>
+        <p:spPr>
+          <a:xfrm>
+            <a:off x="567690" y="4123690"/>
+            <a:ext cx="5520055" cy="2600325"/>
+          </a:xfrm>
+          <a:prstGeom prst="rect">
+            <a:avLst/>
+          </a:prstGeom>
+        </p:spPr>
+      </p:pic>
+      <p:sp>
+        <p:nvSpPr>
+          <p:cNvPr id="5" name="Text Box 4"/>
+          <p:cNvSpPr txBox="1"/>
+          <p:nvPr/>
+        </p:nvSpPr>
+        <p:spPr>
+          <a:xfrm>
+            <a:off x="6151880" y="4625975"/>
+            <a:ext cx="2252980" cy="922020"/>
+          </a:xfrm>
+          <a:prstGeom prst="rect">
+            <a:avLst/>
+          </a:prstGeom>
+          <a:noFill/>
+        </p:spPr>
+        <p:txBody>
+          <a:bodyPr wrap="none" rtlCol="0">
+            <a:spAutoFit/>
+          </a:bodyPr>
+          <a:p>
+            <a:r>
+              <a:rPr lang="en-US" altLang="en-US"/>
+              <a:t>Under pure birth, </a:t>
+            </a:r>
+            <a:endParaRPr lang="en-US" altLang="en-US"/>
+          </a:p>
+          <a:p>
+            <a:r>
+              <a:rPr lang="en-US" altLang="en-US"/>
+              <a:t>lineages accrue</a:t>
+            </a:r>
+            <a:endParaRPr lang="en-US" altLang="en-US"/>
+          </a:p>
+          <a:p>
+            <a:r>
+              <a:rPr lang="en-US" altLang="en-US"/>
+              <a:t>log-linearly with time</a:t>
+            </a:r>
+            <a:endParaRPr lang="en-US" altLang="en-US"/>
           </a:p>
         </p:txBody>
       </p:sp>
@@ -5119,39 +6126,70 @@
           <a:bodyPr/>
           <a:p>
             <a:r>
-              <a:rPr lang="" altLang="en-US"/>
-              <a:t>Lineage through time plots</a:t>
-            </a:r>
-            <a:endParaRPr lang="" altLang="en-US"/>
-          </a:p>
-        </p:txBody>
-      </p:sp>
-      <p:pic>
-        <p:nvPicPr>
-          <p:cNvPr id="6" name="Content Placeholder 5"/>
-          <p:cNvPicPr>
-            <a:picLocks noChangeAspect="1"/>
-          </p:cNvPicPr>
+              <a:rPr lang="en-US" altLang="en-US"/>
+              <a:t>A few notes...</a:t>
+            </a:r>
+            <a:endParaRPr lang="en-US" altLang="en-US"/>
+          </a:p>
+        </p:txBody>
+      </p:sp>
+      <p:sp>
+        <p:nvSpPr>
+          <p:cNvPr id="3" name="Content Placeholder 2"/>
+          <p:cNvSpPr>
+            <a:spLocks noGrp="1"/>
+          </p:cNvSpPr>
           <p:nvPr>
             <p:ph idx="1"/>
           </p:nvPr>
-        </p:nvPicPr>
-        <p:blipFill>
-          <a:blip r:embed="rId1"/>
-          <a:stretch>
-            <a:fillRect/>
-          </a:stretch>
-        </p:blipFill>
-        <p:spPr>
-          <a:xfrm>
-            <a:off x="121920" y="1991995"/>
-            <a:ext cx="8771890" cy="4297680"/>
-          </a:xfrm>
-          <a:prstGeom prst="rect">
-            <a:avLst/>
-          </a:prstGeom>
-        </p:spPr>
-      </p:pic>
+        </p:nvSpPr>
+        <p:spPr/>
+        <p:txBody>
+          <a:bodyPr/>
+          <a:p>
+            <a:pPr marL="0" indent="0">
+              <a:buNone/>
+            </a:pPr>
+            <a:r>
+              <a:rPr lang="en-US" altLang="en-US"/>
+              <a:t>Speciation and extinction correlated in nature, and in estimation</a:t>
+            </a:r>
+            <a:endParaRPr lang="en-US" altLang="en-US"/>
+          </a:p>
+          <a:p>
+            <a:pPr marL="0" indent="0">
+              <a:buNone/>
+            </a:pPr>
+            <a:endParaRPr lang="en-US" altLang="en-US"/>
+          </a:p>
+          <a:p>
+            <a:pPr marL="0" indent="0">
+              <a:buNone/>
+            </a:pPr>
+            <a:r>
+              <a:rPr lang="en-US" altLang="en-US"/>
+              <a:t>Estimating diversification and turnover often easier</a:t>
+            </a:r>
+            <a:endParaRPr lang="en-US" altLang="en-US"/>
+          </a:p>
+          <a:p>
+            <a:pPr marL="0" indent="0">
+              <a:buNone/>
+            </a:pPr>
+            <a:endParaRPr lang="en-US" altLang="en-US"/>
+          </a:p>
+          <a:p>
+            <a:pPr marL="0" indent="0">
+              <a:buNone/>
+            </a:pPr>
+            <a:r>
+              <a:rPr lang="en-US" altLang="en-US"/>
+              <a:t>Can we even estimate extinction from extant-only data? </a:t>
+            </a:r>
+            <a:endParaRPr lang="en-US" altLang="en-US"/>
+          </a:p>
+        </p:txBody>
+      </p:sp>
     </p:spTree>
   </p:cSld>
   <p:clrMapOvr>
@@ -5186,32 +6224,7 @@
           <a:p>
             <a:r>
               <a:rPr lang="" altLang="en-US"/>
-              <a:t>Estimating diversification</a:t>
-            </a:r>
-            <a:endParaRPr lang="" altLang="en-US"/>
-          </a:p>
-        </p:txBody>
-      </p:sp>
-      <p:sp>
-        <p:nvSpPr>
-          <p:cNvPr id="3" name="Content Placeholder 2"/>
-          <p:cNvSpPr>
-            <a:spLocks noGrp="1"/>
-          </p:cNvSpPr>
-          <p:nvPr>
-            <p:ph idx="1"/>
-          </p:nvPr>
-        </p:nvSpPr>
-        <p:spPr/>
-        <p:txBody>
-          <a:bodyPr/>
-          <a:p>
-            <a:pPr marL="0" indent="0">
-              <a:buNone/>
-            </a:pPr>
-            <a:r>
-              <a:rPr lang="" altLang="en-US"/>
-              <a:t>Net diversification methods using clade age &amp; diversity (can be used on unresolved trees)</a:t>
+              <a:t>Lineage through time plots</a:t>
             </a:r>
             <a:endParaRPr lang="" altLang="en-US"/>
           </a:p>
@@ -5219,11 +6232,13 @@
       </p:sp>
       <p:pic>
         <p:nvPicPr>
-          <p:cNvPr id="4" name="Picture 3"/>
+          <p:cNvPr id="4" name="Content Placeholder 3"/>
           <p:cNvPicPr>
             <a:picLocks noChangeAspect="1"/>
           </p:cNvPicPr>
-          <p:nvPr/>
+          <p:nvPr>
+            <p:ph idx="1"/>
+          </p:nvPr>
         </p:nvPicPr>
         <p:blipFill>
           <a:blip r:embed="rId1"/>
@@ -5233,133 +6248,8 @@
         </p:blipFill>
         <p:spPr>
           <a:xfrm>
-            <a:off x="1470660" y="3367405"/>
-            <a:ext cx="2730500" cy="3130550"/>
-          </a:xfrm>
-          <a:prstGeom prst="rect">
-            <a:avLst/>
-          </a:prstGeom>
-        </p:spPr>
-      </p:pic>
-      <p:pic>
-        <p:nvPicPr>
-          <p:cNvPr id="5" name="Picture 4"/>
-          <p:cNvPicPr>
-            <a:picLocks noChangeAspect="1"/>
-          </p:cNvPicPr>
-          <p:nvPr/>
-        </p:nvPicPr>
-        <p:blipFill>
-          <a:blip r:embed="rId2"/>
-          <a:stretch>
-            <a:fillRect/>
-          </a:stretch>
-        </p:blipFill>
-        <p:spPr>
-          <a:xfrm>
-            <a:off x="4568825" y="3425825"/>
-            <a:ext cx="6350" cy="6350"/>
-          </a:xfrm>
-          <a:prstGeom prst="rect">
-            <a:avLst/>
-          </a:prstGeom>
-        </p:spPr>
-      </p:pic>
-      <p:pic>
-        <p:nvPicPr>
-          <p:cNvPr id="6" name="Picture 5"/>
-          <p:cNvPicPr>
-            <a:picLocks noChangeAspect="1"/>
-          </p:cNvPicPr>
-          <p:nvPr/>
-        </p:nvPicPr>
-        <p:blipFill>
-          <a:blip r:embed="rId2"/>
-          <a:stretch>
-            <a:fillRect/>
-          </a:stretch>
-        </p:blipFill>
-        <p:spPr>
-          <a:xfrm>
-            <a:off x="4568825" y="3425825"/>
-            <a:ext cx="6350" cy="6350"/>
-          </a:xfrm>
-          <a:prstGeom prst="rect">
-            <a:avLst/>
-          </a:prstGeom>
-        </p:spPr>
-      </p:pic>
-      <p:pic>
-        <p:nvPicPr>
-          <p:cNvPr id="7" name="Picture 6"/>
-          <p:cNvPicPr>
-            <a:picLocks noChangeAspect="1"/>
-          </p:cNvPicPr>
-          <p:nvPr/>
-        </p:nvPicPr>
-        <p:blipFill>
-          <a:blip r:embed="rId3"/>
-          <a:stretch>
-            <a:fillRect/>
-          </a:stretch>
-        </p:blipFill>
-        <p:spPr>
-          <a:xfrm>
-            <a:off x="3971290" y="4073525"/>
-            <a:ext cx="2159000" cy="1117600"/>
-          </a:xfrm>
-          <a:prstGeom prst="rect">
-            <a:avLst/>
-          </a:prstGeom>
-        </p:spPr>
-      </p:pic>
-      <p:sp>
-        <p:nvSpPr>
-          <p:cNvPr id="8" name="Text Box 7"/>
-          <p:cNvSpPr txBox="1"/>
-          <p:nvPr/>
-        </p:nvSpPr>
-        <p:spPr>
-          <a:xfrm>
-            <a:off x="5020945" y="5469255"/>
-            <a:ext cx="3153410" cy="368300"/>
-          </a:xfrm>
-          <a:prstGeom prst="rect">
-            <a:avLst/>
-          </a:prstGeom>
-          <a:noFill/>
-        </p:spPr>
-        <p:txBody>
-          <a:bodyPr wrap="square" rtlCol="0">
-            <a:spAutoFit/>
-          </a:bodyPr>
-          <a:p>
-            <a:r>
-              <a:rPr lang="" altLang="en-US"/>
-              <a:t>Magallon &amp; Sanderson, 2001</a:t>
-            </a:r>
-            <a:endParaRPr lang="" altLang="en-US"/>
-          </a:p>
-        </p:txBody>
-      </p:sp>
-      <p:pic>
-        <p:nvPicPr>
-          <p:cNvPr id="9" name="Picture 8"/>
-          <p:cNvPicPr>
-            <a:picLocks noChangeAspect="1"/>
-          </p:cNvPicPr>
-          <p:nvPr/>
-        </p:nvPicPr>
-        <p:blipFill>
-          <a:blip r:embed="rId4"/>
-          <a:stretch>
-            <a:fillRect/>
-          </a:stretch>
-        </p:blipFill>
-        <p:spPr>
-          <a:xfrm>
-            <a:off x="6221730" y="4072890"/>
-            <a:ext cx="2834005" cy="1021080"/>
+            <a:off x="2176780" y="1691005"/>
+            <a:ext cx="4291330" cy="4868545"/>
           </a:xfrm>
           <a:prstGeom prst="rect">
             <a:avLst/>
